--- a/doc/JSindo/install.pptx
+++ b/doc/JSindo/install.pptx
@@ -1,9 +1,12 @@
 
 <file path=ppt/presentation.xml><?xml version="1.0" encoding="utf-8"?>
-<p:presentation xmlns:a="http://schemas.openxmlformats.org/drawingml/2006/main" xmlns:r="http://schemas.openxmlformats.org/officeDocument/2006/relationships" xmlns:p="http://schemas.openxmlformats.org/presentationml/2006/main" saveSubsetFonts="1" autoCompressPictures="0">
+<p:presentation xmlns:a="http://schemas.openxmlformats.org/drawingml/2006/main" xmlns:r="http://schemas.openxmlformats.org/officeDocument/2006/relationships" xmlns:p="http://schemas.openxmlformats.org/presentationml/2006/main" firstSlideNum="0" showSpecialPlsOnTitleSld="0" saveSubsetFonts="1" autoCompressPictures="0">
   <p:sldMasterIdLst>
     <p:sldMasterId id="2147483660" r:id="rId1"/>
   </p:sldMasterIdLst>
+  <p:notesMasterIdLst>
+    <p:notesMasterId r:id="rId14"/>
+  </p:notesMasterIdLst>
   <p:sldIdLst>
     <p:sldId id="256" r:id="rId2"/>
     <p:sldId id="258" r:id="rId3"/>
@@ -123,6 +126,556 @@
 </p:presentation>
 </file>
 
+<file path=ppt/notesMasters/notesMaster1.xml><?xml version="1.0" encoding="utf-8"?>
+<p:notesMaster xmlns:a="http://schemas.openxmlformats.org/drawingml/2006/main" xmlns:r="http://schemas.openxmlformats.org/officeDocument/2006/relationships" xmlns:p="http://schemas.openxmlformats.org/presentationml/2006/main">
+  <p:cSld>
+    <p:bg>
+      <p:bgRef idx="1001">
+        <a:schemeClr val="bg1"/>
+      </p:bgRef>
+    </p:bg>
+    <p:spTree>
+      <p:nvGrpSpPr>
+        <p:cNvPr id="1" name=""/>
+        <p:cNvGrpSpPr/>
+        <p:nvPr/>
+      </p:nvGrpSpPr>
+      <p:grpSpPr>
+        <a:xfrm>
+          <a:off x="0" y="0"/>
+          <a:ext cx="0" cy="0"/>
+          <a:chOff x="0" y="0"/>
+          <a:chExt cx="0" cy="0"/>
+        </a:xfrm>
+      </p:grpSpPr>
+      <p:sp>
+        <p:nvSpPr>
+          <p:cNvPr id="2" name="ヘッダー プレースホルダー 1"/>
+          <p:cNvSpPr>
+            <a:spLocks noGrp="1"/>
+          </p:cNvSpPr>
+          <p:nvPr>
+            <p:ph type="hdr" sz="quarter"/>
+          </p:nvPr>
+        </p:nvSpPr>
+        <p:spPr>
+          <a:xfrm>
+            <a:off x="0" y="0"/>
+            <a:ext cx="2971800" cy="458788"/>
+          </a:xfrm>
+          <a:prstGeom prst="rect">
+            <a:avLst/>
+          </a:prstGeom>
+        </p:spPr>
+        <p:txBody>
+          <a:bodyPr vert="horz" lIns="91440" tIns="45720" rIns="91440" bIns="45720" rtlCol="0"/>
+          <a:lstStyle>
+            <a:lvl1pPr algn="l">
+              <a:defRPr sz="1200"/>
+            </a:lvl1pPr>
+          </a:lstStyle>
+          <a:p>
+            <a:endParaRPr kumimoji="1" lang="ja-JP" altLang="en-US"/>
+          </a:p>
+        </p:txBody>
+      </p:sp>
+      <p:sp>
+        <p:nvSpPr>
+          <p:cNvPr id="3" name="日付プレースホルダー 2"/>
+          <p:cNvSpPr>
+            <a:spLocks noGrp="1"/>
+          </p:cNvSpPr>
+          <p:nvPr>
+            <p:ph type="dt" idx="1"/>
+          </p:nvPr>
+        </p:nvSpPr>
+        <p:spPr>
+          <a:xfrm>
+            <a:off x="3884613" y="0"/>
+            <a:ext cx="2971800" cy="458788"/>
+          </a:xfrm>
+          <a:prstGeom prst="rect">
+            <a:avLst/>
+          </a:prstGeom>
+        </p:spPr>
+        <p:txBody>
+          <a:bodyPr vert="horz" lIns="91440" tIns="45720" rIns="91440" bIns="45720" rtlCol="0"/>
+          <a:lstStyle>
+            <a:lvl1pPr algn="r">
+              <a:defRPr sz="1200"/>
+            </a:lvl1pPr>
+          </a:lstStyle>
+          <a:p>
+            <a:fld id="{BB0F0136-69B4-D44B-9FED-4928016A3512}" type="datetimeFigureOut">
+              <a:rPr kumimoji="1" lang="ja-JP" altLang="en-US" smtClean="0"/>
+              <a:t>2018/2/21</a:t>
+            </a:fld>
+            <a:endParaRPr kumimoji="1" lang="ja-JP" altLang="en-US"/>
+          </a:p>
+        </p:txBody>
+      </p:sp>
+      <p:sp>
+        <p:nvSpPr>
+          <p:cNvPr id="4" name="スライド イメージ プレースホルダー 3"/>
+          <p:cNvSpPr>
+            <a:spLocks noGrp="1" noRot="1" noChangeAspect="1"/>
+          </p:cNvSpPr>
+          <p:nvPr>
+            <p:ph type="sldImg" idx="2"/>
+          </p:nvPr>
+        </p:nvSpPr>
+        <p:spPr>
+          <a:xfrm>
+            <a:off x="1371600" y="1143000"/>
+            <a:ext cx="4114800" cy="3086100"/>
+          </a:xfrm>
+          <a:prstGeom prst="rect">
+            <a:avLst/>
+          </a:prstGeom>
+          <a:noFill/>
+          <a:ln w="12700">
+            <a:solidFill>
+              <a:prstClr val="black"/>
+            </a:solidFill>
+          </a:ln>
+        </p:spPr>
+        <p:txBody>
+          <a:bodyPr vert="horz" lIns="91440" tIns="45720" rIns="91440" bIns="45720" rtlCol="0" anchor="ctr"/>
+          <a:lstStyle/>
+          <a:p>
+            <a:endParaRPr lang="ja-JP" altLang="en-US"/>
+          </a:p>
+        </p:txBody>
+      </p:sp>
+      <p:sp>
+        <p:nvSpPr>
+          <p:cNvPr id="5" name="ノート プレースホルダー 4"/>
+          <p:cNvSpPr>
+            <a:spLocks noGrp="1"/>
+          </p:cNvSpPr>
+          <p:nvPr>
+            <p:ph type="body" sz="quarter" idx="3"/>
+          </p:nvPr>
+        </p:nvSpPr>
+        <p:spPr>
+          <a:xfrm>
+            <a:off x="685800" y="4400550"/>
+            <a:ext cx="5486400" cy="3600450"/>
+          </a:xfrm>
+          <a:prstGeom prst="rect">
+            <a:avLst/>
+          </a:prstGeom>
+        </p:spPr>
+        <p:txBody>
+          <a:bodyPr vert="horz" lIns="91440" tIns="45720" rIns="91440" bIns="45720" rtlCol="0"/>
+          <a:lstStyle/>
+          <a:p>
+            <a:pPr lvl="0"/>
+            <a:r>
+              <a:rPr kumimoji="1" lang="ja-JP" altLang="en-US" smtClean="0"/>
+              <a:t>マスター テキストの書式設定</a:t>
+            </a:r>
+          </a:p>
+          <a:p>
+            <a:pPr lvl="1"/>
+            <a:r>
+              <a:rPr kumimoji="1" lang="ja-JP" altLang="en-US" smtClean="0"/>
+              <a:t>第 </a:t>
+            </a:r>
+            <a:r>
+              <a:rPr kumimoji="1" lang="en-US" altLang="ja-JP" smtClean="0"/>
+              <a:t>2 </a:t>
+            </a:r>
+            <a:r>
+              <a:rPr kumimoji="1" lang="ja-JP" altLang="en-US" smtClean="0"/>
+              <a:t>レベル</a:t>
+            </a:r>
+          </a:p>
+          <a:p>
+            <a:pPr lvl="2"/>
+            <a:r>
+              <a:rPr kumimoji="1" lang="ja-JP" altLang="en-US" smtClean="0"/>
+              <a:t>第 </a:t>
+            </a:r>
+            <a:r>
+              <a:rPr kumimoji="1" lang="en-US" altLang="ja-JP" smtClean="0"/>
+              <a:t>3 </a:t>
+            </a:r>
+            <a:r>
+              <a:rPr kumimoji="1" lang="ja-JP" altLang="en-US" smtClean="0"/>
+              <a:t>レベル</a:t>
+            </a:r>
+          </a:p>
+          <a:p>
+            <a:pPr lvl="3"/>
+            <a:r>
+              <a:rPr kumimoji="1" lang="ja-JP" altLang="en-US" smtClean="0"/>
+              <a:t>第 </a:t>
+            </a:r>
+            <a:r>
+              <a:rPr kumimoji="1" lang="en-US" altLang="ja-JP" smtClean="0"/>
+              <a:t>4 </a:t>
+            </a:r>
+            <a:r>
+              <a:rPr kumimoji="1" lang="ja-JP" altLang="en-US" smtClean="0"/>
+              <a:t>レベル</a:t>
+            </a:r>
+          </a:p>
+          <a:p>
+            <a:pPr lvl="4"/>
+            <a:r>
+              <a:rPr kumimoji="1" lang="ja-JP" altLang="en-US" smtClean="0"/>
+              <a:t>第 </a:t>
+            </a:r>
+            <a:r>
+              <a:rPr kumimoji="1" lang="en-US" altLang="ja-JP" smtClean="0"/>
+              <a:t>5 </a:t>
+            </a:r>
+            <a:r>
+              <a:rPr kumimoji="1" lang="ja-JP" altLang="en-US" smtClean="0"/>
+              <a:t>レベル</a:t>
+            </a:r>
+            <a:endParaRPr kumimoji="1" lang="ja-JP" altLang="en-US"/>
+          </a:p>
+        </p:txBody>
+      </p:sp>
+      <p:sp>
+        <p:nvSpPr>
+          <p:cNvPr id="6" name="フッター プレースホルダー 5"/>
+          <p:cNvSpPr>
+            <a:spLocks noGrp="1"/>
+          </p:cNvSpPr>
+          <p:nvPr>
+            <p:ph type="ftr" sz="quarter" idx="4"/>
+          </p:nvPr>
+        </p:nvSpPr>
+        <p:spPr>
+          <a:xfrm>
+            <a:off x="0" y="8685213"/>
+            <a:ext cx="2971800" cy="458787"/>
+          </a:xfrm>
+          <a:prstGeom prst="rect">
+            <a:avLst/>
+          </a:prstGeom>
+        </p:spPr>
+        <p:txBody>
+          <a:bodyPr vert="horz" lIns="91440" tIns="45720" rIns="91440" bIns="45720" rtlCol="0" anchor="b"/>
+          <a:lstStyle>
+            <a:lvl1pPr algn="l">
+              <a:defRPr sz="1200"/>
+            </a:lvl1pPr>
+          </a:lstStyle>
+          <a:p>
+            <a:endParaRPr kumimoji="1" lang="ja-JP" altLang="en-US"/>
+          </a:p>
+        </p:txBody>
+      </p:sp>
+      <p:sp>
+        <p:nvSpPr>
+          <p:cNvPr id="7" name="スライド番号プレースホルダー 6"/>
+          <p:cNvSpPr>
+            <a:spLocks noGrp="1"/>
+          </p:cNvSpPr>
+          <p:nvPr>
+            <p:ph type="sldNum" sz="quarter" idx="5"/>
+          </p:nvPr>
+        </p:nvSpPr>
+        <p:spPr>
+          <a:xfrm>
+            <a:off x="3884613" y="8685213"/>
+            <a:ext cx="2971800" cy="458787"/>
+          </a:xfrm>
+          <a:prstGeom prst="rect">
+            <a:avLst/>
+          </a:prstGeom>
+        </p:spPr>
+        <p:txBody>
+          <a:bodyPr vert="horz" lIns="91440" tIns="45720" rIns="91440" bIns="45720" rtlCol="0" anchor="b"/>
+          <a:lstStyle>
+            <a:lvl1pPr algn="r">
+              <a:defRPr sz="1200"/>
+            </a:lvl1pPr>
+          </a:lstStyle>
+          <a:p>
+            <a:fld id="{3F9D3D55-BD5C-034D-AC25-55F6153EBC0E}" type="slidenum">
+              <a:rPr kumimoji="1" lang="ja-JP" altLang="en-US" smtClean="0"/>
+              <a:t>‹#›</a:t>
+            </a:fld>
+            <a:endParaRPr kumimoji="1" lang="ja-JP" altLang="en-US"/>
+          </a:p>
+        </p:txBody>
+      </p:sp>
+    </p:spTree>
+    <p:extLst>
+      <p:ext uri="{BB962C8B-B14F-4D97-AF65-F5344CB8AC3E}">
+        <p14:creationId xmlns:p14="http://schemas.microsoft.com/office/powerpoint/2010/main" val="581139614"/>
+      </p:ext>
+    </p:extLst>
+  </p:cSld>
+  <p:clrMap bg1="lt1" tx1="dk1" bg2="lt2" tx2="dk2" accent1="accent1" accent2="accent2" accent3="accent3" accent4="accent4" accent5="accent5" accent6="accent6" hlink="hlink" folHlink="folHlink"/>
+  <p:notesStyle>
+    <a:lvl1pPr marL="0" algn="l" defTabSz="914400" rtl="0" eaLnBrk="1" latinLnBrk="0" hangingPunct="1">
+      <a:defRPr kumimoji="1" sz="1200" kern="1200">
+        <a:solidFill>
+          <a:schemeClr val="tx1"/>
+        </a:solidFill>
+        <a:latin typeface="+mn-lt"/>
+        <a:ea typeface="+mn-ea"/>
+        <a:cs typeface="+mn-cs"/>
+      </a:defRPr>
+    </a:lvl1pPr>
+    <a:lvl2pPr marL="457200" algn="l" defTabSz="914400" rtl="0" eaLnBrk="1" latinLnBrk="0" hangingPunct="1">
+      <a:defRPr kumimoji="1" sz="1200" kern="1200">
+        <a:solidFill>
+          <a:schemeClr val="tx1"/>
+        </a:solidFill>
+        <a:latin typeface="+mn-lt"/>
+        <a:ea typeface="+mn-ea"/>
+        <a:cs typeface="+mn-cs"/>
+      </a:defRPr>
+    </a:lvl2pPr>
+    <a:lvl3pPr marL="914400" algn="l" defTabSz="914400" rtl="0" eaLnBrk="1" latinLnBrk="0" hangingPunct="1">
+      <a:defRPr kumimoji="1" sz="1200" kern="1200">
+        <a:solidFill>
+          <a:schemeClr val="tx1"/>
+        </a:solidFill>
+        <a:latin typeface="+mn-lt"/>
+        <a:ea typeface="+mn-ea"/>
+        <a:cs typeface="+mn-cs"/>
+      </a:defRPr>
+    </a:lvl3pPr>
+    <a:lvl4pPr marL="1371600" algn="l" defTabSz="914400" rtl="0" eaLnBrk="1" latinLnBrk="0" hangingPunct="1">
+      <a:defRPr kumimoji="1" sz="1200" kern="1200">
+        <a:solidFill>
+          <a:schemeClr val="tx1"/>
+        </a:solidFill>
+        <a:latin typeface="+mn-lt"/>
+        <a:ea typeface="+mn-ea"/>
+        <a:cs typeface="+mn-cs"/>
+      </a:defRPr>
+    </a:lvl4pPr>
+    <a:lvl5pPr marL="1828800" algn="l" defTabSz="914400" rtl="0" eaLnBrk="1" latinLnBrk="0" hangingPunct="1">
+      <a:defRPr kumimoji="1" sz="1200" kern="1200">
+        <a:solidFill>
+          <a:schemeClr val="tx1"/>
+        </a:solidFill>
+        <a:latin typeface="+mn-lt"/>
+        <a:ea typeface="+mn-ea"/>
+        <a:cs typeface="+mn-cs"/>
+      </a:defRPr>
+    </a:lvl5pPr>
+    <a:lvl6pPr marL="2286000" algn="l" defTabSz="914400" rtl="0" eaLnBrk="1" latinLnBrk="0" hangingPunct="1">
+      <a:defRPr kumimoji="1" sz="1200" kern="1200">
+        <a:solidFill>
+          <a:schemeClr val="tx1"/>
+        </a:solidFill>
+        <a:latin typeface="+mn-lt"/>
+        <a:ea typeface="+mn-ea"/>
+        <a:cs typeface="+mn-cs"/>
+      </a:defRPr>
+    </a:lvl6pPr>
+    <a:lvl7pPr marL="2743200" algn="l" defTabSz="914400" rtl="0" eaLnBrk="1" latinLnBrk="0" hangingPunct="1">
+      <a:defRPr kumimoji="1" sz="1200" kern="1200">
+        <a:solidFill>
+          <a:schemeClr val="tx1"/>
+        </a:solidFill>
+        <a:latin typeface="+mn-lt"/>
+        <a:ea typeface="+mn-ea"/>
+        <a:cs typeface="+mn-cs"/>
+      </a:defRPr>
+    </a:lvl7pPr>
+    <a:lvl8pPr marL="3200400" algn="l" defTabSz="914400" rtl="0" eaLnBrk="1" latinLnBrk="0" hangingPunct="1">
+      <a:defRPr kumimoji="1" sz="1200" kern="1200">
+        <a:solidFill>
+          <a:schemeClr val="tx1"/>
+        </a:solidFill>
+        <a:latin typeface="+mn-lt"/>
+        <a:ea typeface="+mn-ea"/>
+        <a:cs typeface="+mn-cs"/>
+      </a:defRPr>
+    </a:lvl8pPr>
+    <a:lvl9pPr marL="3657600" algn="l" defTabSz="914400" rtl="0" eaLnBrk="1" latinLnBrk="0" hangingPunct="1">
+      <a:defRPr kumimoji="1" sz="1200" kern="1200">
+        <a:solidFill>
+          <a:schemeClr val="tx1"/>
+        </a:solidFill>
+        <a:latin typeface="+mn-lt"/>
+        <a:ea typeface="+mn-ea"/>
+        <a:cs typeface="+mn-cs"/>
+      </a:defRPr>
+    </a:lvl9pPr>
+  </p:notesStyle>
+</p:notesMaster>
+</file>
+
+<file path=ppt/notesSlides/notesSlide1.xml><?xml version="1.0" encoding="utf-8"?>
+<p:notes xmlns:a="http://schemas.openxmlformats.org/drawingml/2006/main" xmlns:r="http://schemas.openxmlformats.org/officeDocument/2006/relationships" xmlns:p="http://schemas.openxmlformats.org/presentationml/2006/main">
+  <p:cSld>
+    <p:spTree>
+      <p:nvGrpSpPr>
+        <p:cNvPr id="1" name=""/>
+        <p:cNvGrpSpPr/>
+        <p:nvPr/>
+      </p:nvGrpSpPr>
+      <p:grpSpPr>
+        <a:xfrm>
+          <a:off x="0" y="0"/>
+          <a:ext cx="0" cy="0"/>
+          <a:chOff x="0" y="0"/>
+          <a:chExt cx="0" cy="0"/>
+        </a:xfrm>
+      </p:grpSpPr>
+      <p:sp>
+        <p:nvSpPr>
+          <p:cNvPr id="2" name="スライド イメージ プレースホルダー 1"/>
+          <p:cNvSpPr>
+            <a:spLocks noGrp="1" noRot="1" noChangeAspect="1"/>
+          </p:cNvSpPr>
+          <p:nvPr>
+            <p:ph type="sldImg"/>
+          </p:nvPr>
+        </p:nvSpPr>
+        <p:spPr/>
+      </p:sp>
+      <p:sp>
+        <p:nvSpPr>
+          <p:cNvPr id="3" name="ノート プレースホルダー 2"/>
+          <p:cNvSpPr>
+            <a:spLocks noGrp="1"/>
+          </p:cNvSpPr>
+          <p:nvPr>
+            <p:ph type="body" idx="1"/>
+          </p:nvPr>
+        </p:nvSpPr>
+        <p:spPr/>
+        <p:txBody>
+          <a:bodyPr/>
+          <a:lstStyle/>
+          <a:p>
+            <a:endParaRPr kumimoji="1" lang="ja-JP" altLang="en-US"/>
+          </a:p>
+        </p:txBody>
+      </p:sp>
+      <p:sp>
+        <p:nvSpPr>
+          <p:cNvPr id="4" name="スライド番号プレースホルダー 3"/>
+          <p:cNvSpPr>
+            <a:spLocks noGrp="1"/>
+          </p:cNvSpPr>
+          <p:nvPr>
+            <p:ph type="sldNum" sz="quarter" idx="10"/>
+          </p:nvPr>
+        </p:nvSpPr>
+        <p:spPr/>
+        <p:txBody>
+          <a:bodyPr/>
+          <a:lstStyle/>
+          <a:p>
+            <a:fld id="{3F9D3D55-BD5C-034D-AC25-55F6153EBC0E}" type="slidenum">
+              <a:rPr kumimoji="1" lang="ja-JP" altLang="en-US" smtClean="0"/>
+              <a:t>0</a:t>
+            </a:fld>
+            <a:endParaRPr kumimoji="1" lang="ja-JP" altLang="en-US"/>
+          </a:p>
+        </p:txBody>
+      </p:sp>
+    </p:spTree>
+    <p:extLst>
+      <p:ext uri="{BB962C8B-B14F-4D97-AF65-F5344CB8AC3E}">
+        <p14:creationId xmlns:p14="http://schemas.microsoft.com/office/powerpoint/2010/main" val="1346563292"/>
+      </p:ext>
+    </p:extLst>
+  </p:cSld>
+  <p:clrMapOvr>
+    <a:masterClrMapping/>
+  </p:clrMapOvr>
+</p:notes>
+</file>
+
+<file path=ppt/notesSlides/notesSlide2.xml><?xml version="1.0" encoding="utf-8"?>
+<p:notes xmlns:a="http://schemas.openxmlformats.org/drawingml/2006/main" xmlns:r="http://schemas.openxmlformats.org/officeDocument/2006/relationships" xmlns:p="http://schemas.openxmlformats.org/presentationml/2006/main">
+  <p:cSld>
+    <p:spTree>
+      <p:nvGrpSpPr>
+        <p:cNvPr id="1" name=""/>
+        <p:cNvGrpSpPr/>
+        <p:nvPr/>
+      </p:nvGrpSpPr>
+      <p:grpSpPr>
+        <a:xfrm>
+          <a:off x="0" y="0"/>
+          <a:ext cx="0" cy="0"/>
+          <a:chOff x="0" y="0"/>
+          <a:chExt cx="0" cy="0"/>
+        </a:xfrm>
+      </p:grpSpPr>
+      <p:sp>
+        <p:nvSpPr>
+          <p:cNvPr id="2" name="スライド イメージ プレースホルダー 1"/>
+          <p:cNvSpPr>
+            <a:spLocks noGrp="1" noRot="1" noChangeAspect="1"/>
+          </p:cNvSpPr>
+          <p:nvPr>
+            <p:ph type="sldImg"/>
+          </p:nvPr>
+        </p:nvSpPr>
+        <p:spPr/>
+      </p:sp>
+      <p:sp>
+        <p:nvSpPr>
+          <p:cNvPr id="3" name="ノート プレースホルダー 2"/>
+          <p:cNvSpPr>
+            <a:spLocks noGrp="1"/>
+          </p:cNvSpPr>
+          <p:nvPr>
+            <p:ph type="body" idx="1"/>
+          </p:nvPr>
+        </p:nvSpPr>
+        <p:spPr/>
+        <p:txBody>
+          <a:bodyPr/>
+          <a:lstStyle/>
+          <a:p>
+            <a:endParaRPr kumimoji="1" lang="ja-JP" altLang="en-US"/>
+          </a:p>
+        </p:txBody>
+      </p:sp>
+      <p:sp>
+        <p:nvSpPr>
+          <p:cNvPr id="4" name="スライド番号プレースホルダー 3"/>
+          <p:cNvSpPr>
+            <a:spLocks noGrp="1"/>
+          </p:cNvSpPr>
+          <p:nvPr>
+            <p:ph type="sldNum" sz="quarter" idx="10"/>
+          </p:nvPr>
+        </p:nvSpPr>
+        <p:spPr/>
+        <p:txBody>
+          <a:bodyPr/>
+          <a:lstStyle/>
+          <a:p>
+            <a:fld id="{3F9D3D55-BD5C-034D-AC25-55F6153EBC0E}" type="slidenum">
+              <a:rPr kumimoji="1" lang="ja-JP" altLang="en-US" smtClean="0"/>
+              <a:t>8</a:t>
+            </a:fld>
+            <a:endParaRPr kumimoji="1" lang="ja-JP" altLang="en-US"/>
+          </a:p>
+        </p:txBody>
+      </p:sp>
+    </p:spTree>
+    <p:extLst>
+      <p:ext uri="{BB962C8B-B14F-4D97-AF65-F5344CB8AC3E}">
+        <p14:creationId xmlns:p14="http://schemas.microsoft.com/office/powerpoint/2010/main" val="457865942"/>
+      </p:ext>
+    </p:extLst>
+  </p:cSld>
+  <p:clrMapOvr>
+    <a:masterClrMapping/>
+  </p:clrMapOvr>
+</p:notes>
+</file>
+
 <file path=ppt/slideLayouts/slideLayout1.xml><?xml version="1.0" encoding="utf-8"?>
 <p:sldLayout xmlns:a="http://schemas.openxmlformats.org/drawingml/2006/main" xmlns:r="http://schemas.openxmlformats.org/officeDocument/2006/relationships" xmlns:p="http://schemas.openxmlformats.org/presentationml/2006/main" type="title" preserve="1">
   <p:cSld name="タイトル スライド">
@@ -252,9 +805,9 @@
           <a:bodyPr/>
           <a:lstStyle/>
           <a:p>
-            <a:fld id="{71D277D7-4148-D542-93DC-F1390B661C12}" type="datetimeFigureOut">
+            <a:fld id="{8F1A2EAE-8A19-6140-AB90-FBA793328AFC}" type="datetime1">
               <a:rPr kumimoji="1" lang="ja-JP" altLang="en-US" smtClean="0"/>
-              <a:t>2018/2/20</a:t>
+              <a:t>2018/2/21</a:t>
             </a:fld>
             <a:endParaRPr kumimoji="1" lang="ja-JP" altLang="en-US"/>
           </a:p>
@@ -449,9 +1002,9 @@
           <a:bodyPr/>
           <a:lstStyle/>
           <a:p>
-            <a:fld id="{71D277D7-4148-D542-93DC-F1390B661C12}" type="datetimeFigureOut">
+            <a:fld id="{5032F6CD-D8C5-EA47-935C-33C61990A9AF}" type="datetime1">
               <a:rPr kumimoji="1" lang="ja-JP" altLang="en-US" smtClean="0"/>
-              <a:t>2018/2/20</a:t>
+              <a:t>2018/2/21</a:t>
             </a:fld>
             <a:endParaRPr kumimoji="1" lang="ja-JP" altLang="en-US"/>
           </a:p>
@@ -656,9 +1209,9 @@
           <a:bodyPr/>
           <a:lstStyle/>
           <a:p>
-            <a:fld id="{71D277D7-4148-D542-93DC-F1390B661C12}" type="datetimeFigureOut">
+            <a:fld id="{7432CAB7-B1D1-C842-BB27-1789136EF085}" type="datetime1">
               <a:rPr kumimoji="1" lang="ja-JP" altLang="en-US" smtClean="0"/>
-              <a:t>2018/2/20</a:t>
+              <a:t>2018/2/21</a:t>
             </a:fld>
             <a:endParaRPr kumimoji="1" lang="ja-JP" altLang="en-US"/>
           </a:p>
@@ -853,9 +1406,9 @@
           <a:bodyPr/>
           <a:lstStyle/>
           <a:p>
-            <a:fld id="{71D277D7-4148-D542-93DC-F1390B661C12}" type="datetimeFigureOut">
+            <a:fld id="{59F606A1-BF80-4F40-AD73-3A1303D72015}" type="datetime1">
               <a:rPr kumimoji="1" lang="ja-JP" altLang="en-US" smtClean="0"/>
-              <a:t>2018/2/20</a:t>
+              <a:t>2018/2/21</a:t>
             </a:fld>
             <a:endParaRPr kumimoji="1" lang="ja-JP" altLang="en-US"/>
           </a:p>
@@ -1092,9 +1645,9 @@
           <a:bodyPr/>
           <a:lstStyle/>
           <a:p>
-            <a:fld id="{71D277D7-4148-D542-93DC-F1390B661C12}" type="datetimeFigureOut">
+            <a:fld id="{201370A8-86D7-DE4D-BAB6-D17D5C3BEC5A}" type="datetime1">
               <a:rPr kumimoji="1" lang="ja-JP" altLang="en-US" smtClean="0"/>
-              <a:t>2018/2/20</a:t>
+              <a:t>2018/2/21</a:t>
             </a:fld>
             <a:endParaRPr kumimoji="1" lang="ja-JP" altLang="en-US"/>
           </a:p>
@@ -1383,9 +1936,9 @@
           <a:bodyPr/>
           <a:lstStyle/>
           <a:p>
-            <a:fld id="{71D277D7-4148-D542-93DC-F1390B661C12}" type="datetimeFigureOut">
+            <a:fld id="{2F8DFF1A-26F6-734D-81A6-596D27E77CDE}" type="datetime1">
               <a:rPr kumimoji="1" lang="ja-JP" altLang="en-US" smtClean="0"/>
-              <a:t>2018/2/20</a:t>
+              <a:t>2018/2/21</a:t>
             </a:fld>
             <a:endParaRPr kumimoji="1" lang="ja-JP" altLang="en-US"/>
           </a:p>
@@ -1809,9 +2362,9 @@
           <a:bodyPr/>
           <a:lstStyle/>
           <a:p>
-            <a:fld id="{71D277D7-4148-D542-93DC-F1390B661C12}" type="datetimeFigureOut">
+            <a:fld id="{DA4D6ED2-2E77-3346-9932-196F8E0DDE9D}" type="datetime1">
               <a:rPr kumimoji="1" lang="ja-JP" altLang="en-US" smtClean="0"/>
-              <a:t>2018/2/20</a:t>
+              <a:t>2018/2/21</a:t>
             </a:fld>
             <a:endParaRPr kumimoji="1" lang="ja-JP" altLang="en-US"/>
           </a:p>
@@ -1922,9 +2475,9 @@
           <a:bodyPr/>
           <a:lstStyle/>
           <a:p>
-            <a:fld id="{71D277D7-4148-D542-93DC-F1390B661C12}" type="datetimeFigureOut">
+            <a:fld id="{E0D62E53-0DE6-954C-A642-97CC889F03F2}" type="datetime1">
               <a:rPr kumimoji="1" lang="ja-JP" altLang="en-US" smtClean="0"/>
-              <a:t>2018/2/20</a:t>
+              <a:t>2018/2/21</a:t>
             </a:fld>
             <a:endParaRPr kumimoji="1" lang="ja-JP" altLang="en-US"/>
           </a:p>
@@ -2012,9 +2565,9 @@
           <a:bodyPr/>
           <a:lstStyle/>
           <a:p>
-            <a:fld id="{71D277D7-4148-D542-93DC-F1390B661C12}" type="datetimeFigureOut">
+            <a:fld id="{4C76B436-8A19-1A40-8CF4-6DE75F461D19}" type="datetime1">
               <a:rPr kumimoji="1" lang="ja-JP" altLang="en-US" smtClean="0"/>
-              <a:t>2018/2/20</a:t>
+              <a:t>2018/2/21</a:t>
             </a:fld>
             <a:endParaRPr kumimoji="1" lang="ja-JP" altLang="en-US"/>
           </a:p>
@@ -2316,9 +2869,9 @@
           <a:bodyPr/>
           <a:lstStyle/>
           <a:p>
-            <a:fld id="{71D277D7-4148-D542-93DC-F1390B661C12}" type="datetimeFigureOut">
+            <a:fld id="{50F977A8-A6EB-6544-A402-5123A38A5E0F}" type="datetime1">
               <a:rPr kumimoji="1" lang="ja-JP" altLang="en-US" smtClean="0"/>
-              <a:t>2018/2/20</a:t>
+              <a:t>2018/2/21</a:t>
             </a:fld>
             <a:endParaRPr kumimoji="1" lang="ja-JP" altLang="en-US"/>
           </a:p>
@@ -2568,9 +3121,9 @@
           <a:bodyPr/>
           <a:lstStyle/>
           <a:p>
-            <a:fld id="{71D277D7-4148-D542-93DC-F1390B661C12}" type="datetimeFigureOut">
+            <a:fld id="{AC63A33F-D5AB-5D4B-9CED-7FFE32473911}" type="datetime1">
               <a:rPr kumimoji="1" lang="ja-JP" altLang="en-US" smtClean="0"/>
-              <a:t>2018/2/20</a:t>
+              <a:t>2018/2/21</a:t>
             </a:fld>
             <a:endParaRPr kumimoji="1" lang="ja-JP" altLang="en-US"/>
           </a:p>
@@ -2808,9 +3361,9 @@
             </a:lvl1pPr>
           </a:lstStyle>
           <a:p>
-            <a:fld id="{71D277D7-4148-D542-93DC-F1390B661C12}" type="datetimeFigureOut">
+            <a:fld id="{533D1301-D078-CF4D-9B69-E985276E2D1F}" type="datetime1">
               <a:rPr kumimoji="1" lang="ja-JP" altLang="en-US" smtClean="0"/>
-              <a:t>2018/2/20</a:t>
+              <a:t>2018/2/21</a:t>
             </a:fld>
             <a:endParaRPr kumimoji="1" lang="ja-JP" altLang="en-US"/>
           </a:p>
@@ -2915,6 +3468,7 @@
     <p:sldLayoutId id="2147483670" r:id="rId10"/>
     <p:sldLayoutId id="2147483671" r:id="rId11"/>
   </p:sldLayoutIdLst>
+  <p:hf hdr="0" ftr="0" dt="0"/>
   <p:txStyles>
     <p:titleStyle>
       <a:lvl1pPr algn="l" defTabSz="914400" rtl="0" eaLnBrk="1" latinLnBrk="0" hangingPunct="1">
@@ -3351,194 +3905,6 @@
           <a:chExt cx="0" cy="0"/>
         </a:xfrm>
       </p:grpSpPr>
-      <p:sp>
-        <p:nvSpPr>
-          <p:cNvPr id="22529" name="スライド番号プレースホルダー 1"/>
-          <p:cNvSpPr>
-            <a:spLocks noGrp="1"/>
-          </p:cNvSpPr>
-          <p:nvPr>
-            <p:ph type="sldNum" sz="quarter" idx="12"/>
-          </p:nvPr>
-        </p:nvSpPr>
-        <p:spPr>
-          <a:noFill/>
-          <a:extLst>
-            <a:ext uri="{909E8E84-426E-40DD-AFC4-6F175D3DCCD1}">
-              <a14:hiddenFill xmlns:a14="http://schemas.microsoft.com/office/drawing/2010/main">
-                <a:solidFill>
-                  <a:srgbClr val="FFFFFF"/>
-                </a:solidFill>
-              </a14:hiddenFill>
-            </a:ext>
-            <a:ext uri="{91240B29-F687-4F45-9708-019B960494DF}">
-              <a14:hiddenLine xmlns:a14="http://schemas.microsoft.com/office/drawing/2010/main" w="9525">
-                <a:solidFill>
-                  <a:srgbClr val="000000"/>
-                </a:solidFill>
-                <a:miter lim="800000"/>
-                <a:headEnd/>
-                <a:tailEnd/>
-              </a14:hiddenLine>
-            </a:ext>
-          </a:extLst>
-        </p:spPr>
-        <p:txBody>
-          <a:bodyPr/>
-          <a:lstStyle>
-            <a:lvl1pPr>
-              <a:spcBef>
-                <a:spcPct val="20000"/>
-              </a:spcBef>
-              <a:buChar char="•"/>
-              <a:defRPr kumimoji="1" sz="3200">
-                <a:solidFill>
-                  <a:schemeClr val="tx1"/>
-                </a:solidFill>
-                <a:latin typeface="Times New Roman" charset="0"/>
-                <a:ea typeface="ＭＳ Ｐゴシック" charset="-128"/>
-              </a:defRPr>
-            </a:lvl1pPr>
-            <a:lvl2pPr marL="742950" indent="-285750">
-              <a:spcBef>
-                <a:spcPct val="20000"/>
-              </a:spcBef>
-              <a:buChar char="–"/>
-              <a:defRPr kumimoji="1" sz="2800">
-                <a:solidFill>
-                  <a:schemeClr val="tx1"/>
-                </a:solidFill>
-                <a:latin typeface="Times New Roman" charset="0"/>
-                <a:ea typeface="ＭＳ Ｐゴシック" charset="-128"/>
-              </a:defRPr>
-            </a:lvl2pPr>
-            <a:lvl3pPr marL="1143000" indent="-228600">
-              <a:spcBef>
-                <a:spcPct val="20000"/>
-              </a:spcBef>
-              <a:buChar char="•"/>
-              <a:defRPr kumimoji="1" sz="2400">
-                <a:solidFill>
-                  <a:schemeClr val="tx1"/>
-                </a:solidFill>
-                <a:latin typeface="Times New Roman" charset="0"/>
-                <a:ea typeface="ＭＳ Ｐゴシック" charset="-128"/>
-              </a:defRPr>
-            </a:lvl3pPr>
-            <a:lvl4pPr marL="1600200" indent="-228600">
-              <a:spcBef>
-                <a:spcPct val="20000"/>
-              </a:spcBef>
-              <a:buChar char="–"/>
-              <a:defRPr kumimoji="1" sz="2000">
-                <a:solidFill>
-                  <a:schemeClr val="tx1"/>
-                </a:solidFill>
-                <a:latin typeface="Times New Roman" charset="0"/>
-                <a:ea typeface="ＭＳ Ｐゴシック" charset="-128"/>
-              </a:defRPr>
-            </a:lvl4pPr>
-            <a:lvl5pPr marL="2057400" indent="-228600">
-              <a:spcBef>
-                <a:spcPct val="20000"/>
-              </a:spcBef>
-              <a:buChar char="»"/>
-              <a:defRPr kumimoji="1" sz="2000">
-                <a:solidFill>
-                  <a:schemeClr val="tx1"/>
-                </a:solidFill>
-                <a:latin typeface="Times New Roman" charset="0"/>
-                <a:ea typeface="ＭＳ Ｐゴシック" charset="-128"/>
-              </a:defRPr>
-            </a:lvl5pPr>
-            <a:lvl6pPr marL="2514600" indent="-228600" eaLnBrk="0" fontAlgn="base" hangingPunct="0">
-              <a:spcBef>
-                <a:spcPct val="20000"/>
-              </a:spcBef>
-              <a:spcAft>
-                <a:spcPct val="0"/>
-              </a:spcAft>
-              <a:buChar char="»"/>
-              <a:defRPr kumimoji="1" sz="2000">
-                <a:solidFill>
-                  <a:schemeClr val="tx1"/>
-                </a:solidFill>
-                <a:latin typeface="Times New Roman" charset="0"/>
-                <a:ea typeface="ＭＳ Ｐゴシック" charset="-128"/>
-              </a:defRPr>
-            </a:lvl6pPr>
-            <a:lvl7pPr marL="2971800" indent="-228600" eaLnBrk="0" fontAlgn="base" hangingPunct="0">
-              <a:spcBef>
-                <a:spcPct val="20000"/>
-              </a:spcBef>
-              <a:spcAft>
-                <a:spcPct val="0"/>
-              </a:spcAft>
-              <a:buChar char="»"/>
-              <a:defRPr kumimoji="1" sz="2000">
-                <a:solidFill>
-                  <a:schemeClr val="tx1"/>
-                </a:solidFill>
-                <a:latin typeface="Times New Roman" charset="0"/>
-                <a:ea typeface="ＭＳ Ｐゴシック" charset="-128"/>
-              </a:defRPr>
-            </a:lvl7pPr>
-            <a:lvl8pPr marL="3429000" indent="-228600" eaLnBrk="0" fontAlgn="base" hangingPunct="0">
-              <a:spcBef>
-                <a:spcPct val="20000"/>
-              </a:spcBef>
-              <a:spcAft>
-                <a:spcPct val="0"/>
-              </a:spcAft>
-              <a:buChar char="»"/>
-              <a:defRPr kumimoji="1" sz="2000">
-                <a:solidFill>
-                  <a:schemeClr val="tx1"/>
-                </a:solidFill>
-                <a:latin typeface="Times New Roman" charset="0"/>
-                <a:ea typeface="ＭＳ Ｐゴシック" charset="-128"/>
-              </a:defRPr>
-            </a:lvl8pPr>
-            <a:lvl9pPr marL="3886200" indent="-228600" eaLnBrk="0" fontAlgn="base" hangingPunct="0">
-              <a:spcBef>
-                <a:spcPct val="20000"/>
-              </a:spcBef>
-              <a:spcAft>
-                <a:spcPct val="0"/>
-              </a:spcAft>
-              <a:buChar char="»"/>
-              <a:defRPr kumimoji="1" sz="2000">
-                <a:solidFill>
-                  <a:schemeClr val="tx1"/>
-                </a:solidFill>
-                <a:latin typeface="Times New Roman" charset="0"/>
-                <a:ea typeface="ＭＳ Ｐゴシック" charset="-128"/>
-              </a:defRPr>
-            </a:lvl9pPr>
-          </a:lstStyle>
-          <a:p>
-            <a:pPr>
-              <a:spcBef>
-                <a:spcPct val="0"/>
-              </a:spcBef>
-              <a:buFontTx/>
-              <a:buNone/>
-            </a:pPr>
-            <a:fld id="{04711F94-8D56-4D47-A04B-71B7096E7B17}" type="slidenum">
-              <a:rPr kumimoji="0" lang="ja-JP" altLang="en-US" sz="1400"/>
-              <a:pPr>
-                <a:spcBef>
-                  <a:spcPct val="0"/>
-                </a:spcBef>
-                <a:buFontTx/>
-                <a:buNone/>
-              </a:pPr>
-              <a:t>10</a:t>
-            </a:fld>
-            <a:endParaRPr kumimoji="0" lang="en-US" altLang="ja-JP" sz="1400"/>
-          </a:p>
-        </p:txBody>
-      </p:sp>
       <p:pic>
         <p:nvPicPr>
           <p:cNvPr id="13" name="図 9"/>
@@ -3686,15 +4052,7 @@
             </a:r>
             <a:r>
               <a:rPr lang="en-US" altLang="ja-JP" dirty="0" smtClean="0"/>
-              <a:t> Tools -&gt; Harmonic Analysis. This </a:t>
-            </a:r>
-            <a:r>
-              <a:rPr lang="en-US" altLang="ja-JP" dirty="0" smtClean="0"/>
-              <a:t>should </a:t>
-            </a:r>
-            <a:r>
-              <a:rPr lang="en-US" altLang="ja-JP" dirty="0" smtClean="0"/>
-              <a:t>create a “Normal modes” panel. </a:t>
+              <a:t> Tools -&gt; Harmonic Analysis. This should create a “Normal modes” panel. </a:t>
             </a:r>
           </a:p>
           <a:p>
@@ -3738,15 +4096,7 @@
           <a:p>
             <a:r>
               <a:rPr lang="en-US" altLang="ja-JP" dirty="0" smtClean="0"/>
-              <a:t>If </a:t>
-            </a:r>
-            <a:r>
-              <a:rPr lang="en-US" altLang="ja-JP" dirty="0" smtClean="0"/>
-              <a:t>the panel appears, </a:t>
-            </a:r>
-            <a:r>
-              <a:rPr lang="en-US" altLang="ja-JP" dirty="0" smtClean="0"/>
-              <a:t>you’re all set! </a:t>
+              <a:t>If the panel appears, you’re all set! </a:t>
             </a:r>
             <a:r>
               <a:rPr lang="en-US" altLang="ja-JP" dirty="0" err="1" smtClean="0"/>
@@ -3778,11 +4128,7 @@
           <a:p>
             <a:r>
               <a:rPr lang="en-US" altLang="ja-JP" dirty="0" smtClean="0"/>
-              <a:t>Thanks </a:t>
-            </a:r>
-            <a:r>
-              <a:rPr lang="en-US" altLang="ja-JP" dirty="0" smtClean="0"/>
-              <a:t>for using </a:t>
+              <a:t>Thanks for using </a:t>
             </a:r>
             <a:r>
               <a:rPr lang="en-US" altLang="ja-JP" dirty="0" err="1" smtClean="0"/>
@@ -3872,6 +4218,29 @@
           </a:ln>
         </p:spPr>
       </p:pic>
+      <p:sp>
+        <p:nvSpPr>
+          <p:cNvPr id="4" name="スライド番号プレースホルダー 3"/>
+          <p:cNvSpPr>
+            <a:spLocks noGrp="1"/>
+          </p:cNvSpPr>
+          <p:nvPr>
+            <p:ph type="sldNum" sz="quarter" idx="12"/>
+          </p:nvPr>
+        </p:nvSpPr>
+        <p:spPr/>
+        <p:txBody>
+          <a:bodyPr/>
+          <a:lstStyle/>
+          <a:p>
+            <a:fld id="{7D34BB6B-1E1A-9541-9560-488905BF54FF}" type="slidenum">
+              <a:rPr kumimoji="1" lang="ja-JP" altLang="en-US" smtClean="0"/>
+              <a:t>9</a:t>
+            </a:fld>
+            <a:endParaRPr kumimoji="1" lang="ja-JP" altLang="en-US"/>
+          </a:p>
+        </p:txBody>
+      </p:sp>
     </p:spTree>
     <p:extLst>
       <p:ext uri="{BB962C8B-B14F-4D97-AF65-F5344CB8AC3E}">
@@ -3980,15 +4349,7 @@
                   <a:srgbClr val="FF0000"/>
                 </a:solidFill>
               </a:rPr>
-              <a:t> from a command line</a:t>
-            </a:r>
-            <a:r>
-              <a:rPr kumimoji="1" lang="en-US" altLang="ja-JP" dirty="0" smtClean="0">
-                <a:solidFill>
-                  <a:srgbClr val="FF0000"/>
-                </a:solidFill>
-              </a:rPr>
-              <a:t>.</a:t>
+              <a:t> from a command line.</a:t>
             </a:r>
             <a:endParaRPr lang="en-US" altLang="ja-JP" dirty="0" smtClean="0">
               <a:solidFill>
@@ -4000,21 +4361,8 @@
             <a:pPr lvl="1"/>
             <a:r>
               <a:rPr lang="en-US" altLang="ja-JP" dirty="0" smtClean="0"/>
-              <a:t>You </a:t>
-            </a:r>
-            <a:r>
-              <a:rPr lang="en-US" altLang="ja-JP" dirty="0" smtClean="0"/>
-              <a:t>may </a:t>
-            </a:r>
-            <a:r>
-              <a:rPr lang="en-US" altLang="ja-JP" dirty="0" smtClean="0"/>
-              <a:t>use the following command</a:t>
-            </a:r>
-            <a:r>
-              <a:rPr lang="en-US" altLang="ja-JP" dirty="0" smtClean="0"/>
-              <a:t>:</a:t>
-            </a:r>
-            <a:endParaRPr lang="en-US" altLang="ja-JP" dirty="0" smtClean="0"/>
+              <a:t>You may use the following command:</a:t>
+            </a:r>
           </a:p>
           <a:p>
             <a:pPr lvl="1">
@@ -4031,19 +4379,7 @@
             <a:pPr lvl="1"/>
             <a:r>
               <a:rPr lang="en-US" altLang="ja-JP" dirty="0" smtClean="0"/>
-              <a:t>Alternatively</a:t>
-            </a:r>
-            <a:r>
-              <a:rPr lang="en-US" altLang="ja-JP" dirty="0" smtClean="0"/>
-              <a:t>, you may set an environment </a:t>
-            </a:r>
-            <a:r>
-              <a:rPr lang="en-US" altLang="ja-JP" dirty="0" smtClean="0"/>
-              <a:t>variable</a:t>
-            </a:r>
-            <a:r>
-              <a:rPr lang="en-US" altLang="ja-JP" dirty="0" smtClean="0"/>
-              <a:t>, CLASSPATH</a:t>
+              <a:t>Alternatively, you may set an environment variable, CLASSPATH</a:t>
             </a:r>
           </a:p>
           <a:p>
@@ -4062,11 +4398,7 @@
             <a:pPr lvl="1"/>
             <a:r>
               <a:rPr lang="en-US" altLang="ja-JP" dirty="0" smtClean="0"/>
-              <a:t>in </a:t>
-            </a:r>
-            <a:r>
-              <a:rPr lang="en-US" altLang="ja-JP" dirty="0" smtClean="0"/>
-              <a:t>bash or </a:t>
+              <a:t>in bash or </a:t>
             </a:r>
             <a:r>
               <a:rPr lang="en-US" altLang="ja-JP" dirty="0" err="1" smtClean="0"/>
@@ -4082,15 +4414,7 @@
             </a:r>
             <a:r>
               <a:rPr lang="en-US" altLang="ja-JP" dirty="0" smtClean="0"/>
-              <a:t>. Then</a:t>
-            </a:r>
-            <a:r>
-              <a:rPr lang="en-US" altLang="ja-JP" dirty="0" smtClean="0"/>
-              <a:t>, you can </a:t>
-            </a:r>
-            <a:r>
-              <a:rPr lang="en-US" altLang="ja-JP" dirty="0" smtClean="0"/>
-              <a:t>start </a:t>
+              <a:t>. Then, you can start </a:t>
             </a:r>
             <a:r>
               <a:rPr lang="en-US" altLang="ja-JP" dirty="0" err="1" smtClean="0"/>
@@ -4546,15 +4870,7 @@
                 <a:ea typeface="Courier" charset="0"/>
                 <a:cs typeface="Courier" charset="0"/>
               </a:rPr>
-              <a:t> </a:t>
-            </a:r>
-            <a:r>
-              <a:rPr kumimoji="1" lang="en-US" altLang="ja-JP" sz="1200" dirty="0" smtClean="0">
-                <a:latin typeface="Courier" charset="0"/>
-                <a:ea typeface="Courier" charset="0"/>
-                <a:cs typeface="Courier" charset="0"/>
-              </a:rPr>
-              <a:t>JSindo-4.0_xxxxxx.jar:</a:t>
+              <a:t> JSindo-4.0_xxxxxx.jar:</a:t>
             </a:r>
             <a:r>
               <a:rPr lang="is-IS" altLang="ja-JP" sz="1200" dirty="0" smtClean="0">
@@ -4637,15 +4953,7 @@
                 <a:ea typeface="Courier" charset="0"/>
                 <a:cs typeface="Courier" charset="0"/>
               </a:rPr>
-              <a:t>}:/</a:t>
-            </a:r>
-            <a:r>
-              <a:rPr lang="en-US" altLang="ja-JP" sz="1200" dirty="0" smtClean="0">
-                <a:latin typeface="Courier" charset="0"/>
-                <a:ea typeface="Courier" charset="0"/>
-                <a:cs typeface="Courier" charset="0"/>
-              </a:rPr>
-              <a:t>path/to/JSindo-4.0_xxxxxx.jar</a:t>
+              <a:t>}:/path/to/JSindo-4.0_xxxxxx.jar</a:t>
             </a:r>
           </a:p>
           <a:p>
@@ -4667,11 +4975,29 @@
               </a:rPr>
               <a:t>...</a:t>
             </a:r>
-            <a:endParaRPr lang="en-US" altLang="ja-JP" sz="1200" dirty="0" smtClean="0">
-              <a:latin typeface="Courier" charset="0"/>
-              <a:ea typeface="Courier" charset="0"/>
-              <a:cs typeface="Courier" charset="0"/>
-            </a:endParaRPr>
+          </a:p>
+        </p:txBody>
+      </p:sp>
+      <p:sp>
+        <p:nvSpPr>
+          <p:cNvPr id="3" name="スライド番号プレースホルダー 2"/>
+          <p:cNvSpPr>
+            <a:spLocks noGrp="1"/>
+          </p:cNvSpPr>
+          <p:nvPr>
+            <p:ph type="sldNum" sz="quarter" idx="12"/>
+          </p:nvPr>
+        </p:nvSpPr>
+        <p:spPr/>
+        <p:txBody>
+          <a:bodyPr/>
+          <a:lstStyle/>
+          <a:p>
+            <a:fld id="{7D34BB6B-1E1A-9541-9560-488905BF54FF}" type="slidenum">
+              <a:rPr kumimoji="1" lang="ja-JP" altLang="en-US" smtClean="0"/>
+              <a:t>10</a:t>
+            </a:fld>
+            <a:endParaRPr kumimoji="1" lang="ja-JP" altLang="en-US"/>
           </a:p>
         </p:txBody>
       </p:sp>
@@ -5027,11 +5353,7 @@
             </a:pPr>
             <a:r>
               <a:rPr kumimoji="1" lang="en-US" altLang="ja-JP" dirty="0" smtClean="0"/>
-              <a:t>amd64 for </a:t>
-            </a:r>
-            <a:r>
-              <a:rPr kumimoji="1" lang="en-US" altLang="ja-JP" dirty="0" smtClean="0"/>
-              <a:t>64-bit.</a:t>
+              <a:t>amd64 for 64-bit.</a:t>
             </a:r>
           </a:p>
           <a:p>
@@ -5041,16 +5363,31 @@
             </a:pPr>
             <a:r>
               <a:rPr kumimoji="1" lang="en-US" altLang="ja-JP" dirty="0" smtClean="0"/>
-              <a:t>i586 </a:t>
-            </a:r>
-            <a:r>
-              <a:rPr kumimoji="1" lang="en-US" altLang="ja-JP" dirty="0" smtClean="0"/>
-              <a:t>for </a:t>
-            </a:r>
-            <a:r>
-              <a:rPr kumimoji="1" lang="en-US" altLang="ja-JP" dirty="0" smtClean="0"/>
-              <a:t>32-bit (x86).</a:t>
-            </a:r>
+              <a:t>i586 for 32-bit (x86).</a:t>
+            </a:r>
+          </a:p>
+        </p:txBody>
+      </p:sp>
+      <p:sp>
+        <p:nvSpPr>
+          <p:cNvPr id="2" name="スライド番号プレースホルダー 1"/>
+          <p:cNvSpPr>
+            <a:spLocks noGrp="1"/>
+          </p:cNvSpPr>
+          <p:nvPr>
+            <p:ph type="sldNum" sz="quarter" idx="12"/>
+          </p:nvPr>
+        </p:nvSpPr>
+        <p:spPr/>
+        <p:txBody>
+          <a:bodyPr/>
+          <a:lstStyle/>
+          <a:p>
+            <a:fld id="{7D34BB6B-1E1A-9541-9560-488905BF54FF}" type="slidenum">
+              <a:rPr kumimoji="1" lang="ja-JP" altLang="en-US" smtClean="0"/>
+              <a:t>11</a:t>
+            </a:fld>
+            <a:endParaRPr kumimoji="1" lang="ja-JP" altLang="en-US"/>
           </a:p>
         </p:txBody>
       </p:sp>
@@ -5275,6 +5612,29 @@
               <a:t>click here and follow the instruction to install Java</a:t>
             </a:r>
             <a:endParaRPr kumimoji="1" lang="ja-JP" altLang="en-US" dirty="0"/>
+          </a:p>
+        </p:txBody>
+      </p:sp>
+      <p:sp>
+        <p:nvSpPr>
+          <p:cNvPr id="5" name="スライド番号プレースホルダー 4"/>
+          <p:cNvSpPr>
+            <a:spLocks noGrp="1"/>
+          </p:cNvSpPr>
+          <p:nvPr>
+            <p:ph type="sldNum" sz="quarter" idx="12"/>
+          </p:nvPr>
+        </p:nvSpPr>
+        <p:spPr/>
+        <p:txBody>
+          <a:bodyPr/>
+          <a:lstStyle/>
+          <a:p>
+            <a:fld id="{7D34BB6B-1E1A-9541-9560-488905BF54FF}" type="slidenum">
+              <a:rPr kumimoji="1" lang="ja-JP" altLang="en-US" smtClean="0"/>
+              <a:t>1</a:t>
+            </a:fld>
+            <a:endParaRPr kumimoji="1" lang="ja-JP" altLang="en-US"/>
           </a:p>
         </p:txBody>
       </p:sp>
@@ -5569,6 +5929,29 @@
           </a:p>
         </p:txBody>
       </p:sp>
+      <p:sp>
+        <p:nvSpPr>
+          <p:cNvPr id="9" name="スライド番号プレースホルダー 8"/>
+          <p:cNvSpPr>
+            <a:spLocks noGrp="1"/>
+          </p:cNvSpPr>
+          <p:nvPr>
+            <p:ph type="sldNum" sz="quarter" idx="12"/>
+          </p:nvPr>
+        </p:nvSpPr>
+        <p:spPr/>
+        <p:txBody>
+          <a:bodyPr/>
+          <a:lstStyle/>
+          <a:p>
+            <a:fld id="{7D34BB6B-1E1A-9541-9560-488905BF54FF}" type="slidenum">
+              <a:rPr kumimoji="1" lang="ja-JP" altLang="en-US" smtClean="0"/>
+              <a:t>2</a:t>
+            </a:fld>
+            <a:endParaRPr kumimoji="1" lang="ja-JP" altLang="en-US"/>
+          </a:p>
+        </p:txBody>
+      </p:sp>
     </p:spTree>
     <p:extLst>
       <p:ext uri="{BB962C8B-B14F-4D97-AF65-F5344CB8AC3E}">
@@ -5623,15 +6006,7 @@
           <a:p>
             <a:r>
               <a:rPr lang="en-US" altLang="ja-JP" dirty="0" smtClean="0"/>
-              <a:t>Before we proceed, let’s check if your </a:t>
-            </a:r>
-            <a:r>
-              <a:rPr lang="en-US" altLang="ja-JP" dirty="0" smtClean="0"/>
-              <a:t>J</a:t>
-            </a:r>
-            <a:r>
-              <a:rPr lang="en-US" altLang="ja-JP" dirty="0" smtClean="0"/>
-              <a:t>ava is 32- or 64-bit. In the DOS prompt, type “java -version” and you will see a message like this:</a:t>
+              <a:t>Before we proceed, let’s check if your Java is 32- or 64-bit. In the DOS prompt, type “java -version” and you will see a message like this:</a:t>
             </a:r>
           </a:p>
           <a:p>
@@ -5664,15 +6039,7 @@
           <a:p>
             <a:r>
               <a:rPr lang="en-US" altLang="ja-JP" dirty="0" smtClean="0"/>
-              <a:t>Alternatively, you may check </a:t>
-            </a:r>
-            <a:r>
-              <a:rPr lang="en-US" altLang="ja-JP" dirty="0" smtClean="0"/>
-              <a:t>these</a:t>
-            </a:r>
-            <a:r>
-              <a:rPr lang="en-US" altLang="ja-JP" dirty="0" smtClean="0"/>
-              <a:t> folders,</a:t>
+              <a:t>Alternatively, you may check these folders,</a:t>
             </a:r>
           </a:p>
           <a:p>
@@ -5769,15 +6136,7 @@
                 <a:ea typeface="Courier" charset="0"/>
                 <a:cs typeface="Courier" charset="0"/>
               </a:rPr>
-              <a:t>&gt;java </a:t>
-            </a:r>
-            <a:r>
-              <a:rPr kumimoji="1" lang="en-US" altLang="ja-JP" sz="1200" dirty="0" smtClean="0">
-                <a:latin typeface="Courier" charset="0"/>
-                <a:ea typeface="Courier" charset="0"/>
-                <a:cs typeface="Courier" charset="0"/>
-              </a:rPr>
-              <a:t>–version</a:t>
+              <a:t>&gt;java –version</a:t>
             </a:r>
           </a:p>
           <a:p>
@@ -5873,6 +6232,29 @@
               <a:ea typeface="Courier" charset="0"/>
               <a:cs typeface="Courier" charset="0"/>
             </a:endParaRPr>
+          </a:p>
+        </p:txBody>
+      </p:sp>
+      <p:sp>
+        <p:nvSpPr>
+          <p:cNvPr id="2" name="スライド番号プレースホルダー 1"/>
+          <p:cNvSpPr>
+            <a:spLocks noGrp="1"/>
+          </p:cNvSpPr>
+          <p:nvPr>
+            <p:ph type="sldNum" sz="quarter" idx="12"/>
+          </p:nvPr>
+        </p:nvSpPr>
+        <p:spPr/>
+        <p:txBody>
+          <a:bodyPr/>
+          <a:lstStyle/>
+          <a:p>
+            <a:fld id="{7D34BB6B-1E1A-9541-9560-488905BF54FF}" type="slidenum">
+              <a:rPr kumimoji="1" lang="ja-JP" altLang="en-US" smtClean="0"/>
+              <a:t>3</a:t>
+            </a:fld>
+            <a:endParaRPr kumimoji="1" lang="ja-JP" altLang="en-US"/>
           </a:p>
         </p:txBody>
       </p:sp>
@@ -5968,13 +6350,8 @@
             </a:pPr>
             <a:r>
               <a:rPr lang="en-US" altLang="ja-JP" dirty="0" smtClean="0"/>
-              <a:t>32-bit	c:\Program Files\</a:t>
-            </a:r>
-            <a:r>
-              <a:rPr lang="en-US" altLang="ja-JP" dirty="0" smtClean="0"/>
-              <a:t>Java\Java3D </a:t>
-            </a:r>
-            <a:endParaRPr lang="en-US" altLang="ja-JP" dirty="0" smtClean="0"/>
+              <a:t>32-bit	c:\Program Files\Java\Java3D </a:t>
+            </a:r>
           </a:p>
           <a:p>
             <a:endParaRPr lang="en-US" altLang="ja-JP" dirty="0"/>
@@ -6293,11 +6670,7 @@
             </a:pPr>
             <a:r>
               <a:rPr kumimoji="1" lang="en-US" altLang="ja-JP" dirty="0" smtClean="0"/>
-              <a:t>amd64 for </a:t>
-            </a:r>
-            <a:r>
-              <a:rPr kumimoji="1" lang="en-US" altLang="ja-JP" dirty="0" smtClean="0"/>
-              <a:t>64-bit.</a:t>
+              <a:t>amd64 for 64-bit.</a:t>
             </a:r>
           </a:p>
           <a:p>
@@ -6307,15 +6680,7 @@
             </a:pPr>
             <a:r>
               <a:rPr kumimoji="1" lang="en-US" altLang="ja-JP" dirty="0" smtClean="0"/>
-              <a:t>i586 </a:t>
-            </a:r>
-            <a:r>
-              <a:rPr kumimoji="1" lang="en-US" altLang="ja-JP" dirty="0" smtClean="0"/>
-              <a:t>for </a:t>
-            </a:r>
-            <a:r>
-              <a:rPr kumimoji="1" lang="en-US" altLang="ja-JP" dirty="0" smtClean="0"/>
-              <a:t>32-bit (x86).</a:t>
+              <a:t>i586 for 32-bit (x86).</a:t>
             </a:r>
           </a:p>
         </p:txBody>
@@ -6345,7 +6710,29 @@
               <a:rPr lang="en-US" altLang="ja-JP" dirty="0" smtClean="0"/>
               <a:t>Now,  we are ready to download the installer,</a:t>
             </a:r>
-            <a:endParaRPr lang="en-US" altLang="ja-JP" dirty="0" smtClean="0"/>
+          </a:p>
+        </p:txBody>
+      </p:sp>
+      <p:sp>
+        <p:nvSpPr>
+          <p:cNvPr id="11" name="スライド番号プレースホルダー 10"/>
+          <p:cNvSpPr>
+            <a:spLocks noGrp="1"/>
+          </p:cNvSpPr>
+          <p:nvPr>
+            <p:ph type="sldNum" sz="quarter" idx="12"/>
+          </p:nvPr>
+        </p:nvSpPr>
+        <p:spPr/>
+        <p:txBody>
+          <a:bodyPr/>
+          <a:lstStyle/>
+          <a:p>
+            <a:fld id="{7D34BB6B-1E1A-9541-9560-488905BF54FF}" type="slidenum">
+              <a:rPr kumimoji="1" lang="ja-JP" altLang="en-US" smtClean="0"/>
+              <a:t>4</a:t>
+            </a:fld>
+            <a:endParaRPr kumimoji="1" lang="ja-JP" altLang="en-US"/>
           </a:p>
         </p:txBody>
       </p:sp>
@@ -6921,6 +7308,29 @@
           </a:p>
         </p:txBody>
       </p:sp>
+      <p:sp>
+        <p:nvSpPr>
+          <p:cNvPr id="2" name="スライド番号プレースホルダー 1"/>
+          <p:cNvSpPr>
+            <a:spLocks noGrp="1"/>
+          </p:cNvSpPr>
+          <p:nvPr>
+            <p:ph type="sldNum" sz="quarter" idx="12"/>
+          </p:nvPr>
+        </p:nvSpPr>
+        <p:spPr/>
+        <p:txBody>
+          <a:bodyPr/>
+          <a:lstStyle/>
+          <a:p>
+            <a:fld id="{7D34BB6B-1E1A-9541-9560-488905BF54FF}" type="slidenum">
+              <a:rPr kumimoji="1" lang="ja-JP" altLang="en-US" smtClean="0"/>
+              <a:t>5</a:t>
+            </a:fld>
+            <a:endParaRPr kumimoji="1" lang="ja-JP" altLang="en-US"/>
+          </a:p>
+        </p:txBody>
+      </p:sp>
     </p:spTree>
     <p:extLst>
       <p:ext uri="{BB962C8B-B14F-4D97-AF65-F5344CB8AC3E}">
@@ -7706,6 +8116,29 @@
           </a:p>
         </p:txBody>
       </p:sp>
+      <p:sp>
+        <p:nvSpPr>
+          <p:cNvPr id="2" name="スライド番号プレースホルダー 1"/>
+          <p:cNvSpPr>
+            <a:spLocks noGrp="1"/>
+          </p:cNvSpPr>
+          <p:nvPr>
+            <p:ph type="sldNum" sz="quarter" idx="12"/>
+          </p:nvPr>
+        </p:nvSpPr>
+        <p:spPr/>
+        <p:txBody>
+          <a:bodyPr/>
+          <a:lstStyle/>
+          <a:p>
+            <a:fld id="{7D34BB6B-1E1A-9541-9560-488905BF54FF}" type="slidenum">
+              <a:rPr kumimoji="1" lang="ja-JP" altLang="en-US" smtClean="0"/>
+              <a:t>6</a:t>
+            </a:fld>
+            <a:endParaRPr kumimoji="1" lang="ja-JP" altLang="en-US"/>
+          </a:p>
+        </p:txBody>
+      </p:sp>
     </p:spTree>
     <p:extLst>
       <p:ext uri="{BB962C8B-B14F-4D97-AF65-F5344CB8AC3E}">
@@ -8170,6 +8603,29 @@
           </a:p>
         </p:txBody>
       </p:sp>
+      <p:sp>
+        <p:nvSpPr>
+          <p:cNvPr id="13" name="スライド番号プレースホルダー 12"/>
+          <p:cNvSpPr>
+            <a:spLocks noGrp="1"/>
+          </p:cNvSpPr>
+          <p:nvPr>
+            <p:ph type="sldNum" sz="quarter" idx="12"/>
+          </p:nvPr>
+        </p:nvSpPr>
+        <p:spPr/>
+        <p:txBody>
+          <a:bodyPr/>
+          <a:lstStyle/>
+          <a:p>
+            <a:fld id="{7D34BB6B-1E1A-9541-9560-488905BF54FF}" type="slidenum">
+              <a:rPr kumimoji="1" lang="ja-JP" altLang="en-US" smtClean="0"/>
+              <a:t>7</a:t>
+            </a:fld>
+            <a:endParaRPr kumimoji="1" lang="ja-JP" altLang="en-US"/>
+          </a:p>
+        </p:txBody>
+      </p:sp>
     </p:spTree>
     <p:extLst>
       <p:ext uri="{BB962C8B-B14F-4D97-AF65-F5344CB8AC3E}">
@@ -8217,11 +8673,7 @@
           <a:p>
             <a:r>
               <a:rPr kumimoji="1" lang="en-US" altLang="ja-JP" dirty="0" smtClean="0"/>
-              <a:t>4. </a:t>
-            </a:r>
-            <a:r>
-              <a:rPr kumimoji="1" lang="en-US" altLang="ja-JP" dirty="0" smtClean="0"/>
-              <a:t>Test </a:t>
+              <a:t>4. Test </a:t>
             </a:r>
             <a:r>
               <a:rPr kumimoji="1" lang="en-US" altLang="ja-JP" dirty="0" err="1" smtClean="0"/>
@@ -8240,7 +8692,7 @@
           <p:nvPr/>
         </p:nvPicPr>
         <p:blipFill rotWithShape="1">
-          <a:blip r:embed="rId2">
+          <a:blip r:embed="rId3">
             <a:extLst>
               <a:ext uri="{28A0092B-C50C-407E-A947-70E740481C1C}">
                 <a14:useLocalDpi xmlns:a14="http://schemas.microsoft.com/office/drawing/2010/main" val="0"/>
@@ -8380,11 +8832,7 @@
             <a:pPr lvl="1"/>
             <a:r>
               <a:rPr lang="en-US" altLang="ja-JP" dirty="0" smtClean="0"/>
-              <a:t>If this step fails, it is highly likely that Java3D has a problem. </a:t>
-            </a:r>
-            <a:r>
-              <a:rPr lang="en-US" altLang="ja-JP" dirty="0" smtClean="0"/>
-              <a:t>Double check if the </a:t>
+              <a:t>If this step fails, it is highly likely that Java3D has a problem. Double check if the </a:t>
             </a:r>
             <a:r>
               <a:rPr lang="en-US" altLang="ja-JP" dirty="0" err="1" smtClean="0"/>
@@ -8392,19 +8840,7 @@
             </a:r>
             <a:r>
               <a:rPr lang="en-US" altLang="ja-JP" dirty="0" smtClean="0"/>
-              <a:t> </a:t>
-            </a:r>
-            <a:r>
-              <a:rPr lang="en-US" altLang="ja-JP" dirty="0" smtClean="0"/>
-              <a:t>are copied to the </a:t>
-            </a:r>
-            <a:r>
-              <a:rPr lang="en-US" altLang="ja-JP" dirty="0" smtClean="0"/>
-              <a:t>extension </a:t>
-            </a:r>
-            <a:r>
-              <a:rPr lang="en-US" altLang="ja-JP" dirty="0" smtClean="0"/>
-              <a:t>folder.</a:t>
+              <a:t> are copied to the extension folder.</a:t>
             </a:r>
           </a:p>
         </p:txBody>
@@ -8484,7 +8920,7 @@
           <p:nvPr/>
         </p:nvPicPr>
         <p:blipFill rotWithShape="1">
-          <a:blip r:embed="rId3">
+          <a:blip r:embed="rId4">
             <a:extLst>
               <a:ext uri="{28A0092B-C50C-407E-A947-70E740481C1C}">
                 <a14:useLocalDpi xmlns:a14="http://schemas.microsoft.com/office/drawing/2010/main" val="0"/>
@@ -8678,7 +9114,7 @@
           <p:nvPr/>
         </p:nvPicPr>
         <p:blipFill rotWithShape="1">
-          <a:blip r:embed="rId4">
+          <a:blip r:embed="rId5">
             <a:extLst>
               <a:ext uri="{28A0092B-C50C-407E-A947-70E740481C1C}">
                 <a14:useLocalDpi xmlns:a14="http://schemas.microsoft.com/office/drawing/2010/main" val="0"/>
@@ -8703,6 +9139,29 @@
           </a:ln>
         </p:spPr>
       </p:pic>
+      <p:sp>
+        <p:nvSpPr>
+          <p:cNvPr id="6" name="スライド番号プレースホルダー 5"/>
+          <p:cNvSpPr>
+            <a:spLocks noGrp="1"/>
+          </p:cNvSpPr>
+          <p:nvPr>
+            <p:ph type="sldNum" sz="quarter" idx="12"/>
+          </p:nvPr>
+        </p:nvSpPr>
+        <p:spPr/>
+        <p:txBody>
+          <a:bodyPr/>
+          <a:lstStyle/>
+          <a:p>
+            <a:fld id="{7D34BB6B-1E1A-9541-9560-488905BF54FF}" type="slidenum">
+              <a:rPr kumimoji="1" lang="ja-JP" altLang="en-US" smtClean="0"/>
+              <a:t>8</a:t>
+            </a:fld>
+            <a:endParaRPr kumimoji="1" lang="ja-JP" altLang="en-US"/>
+          </a:p>
+        </p:txBody>
+      </p:sp>
     </p:spTree>
     <p:extLst>
       <p:ext uri="{BB962C8B-B14F-4D97-AF65-F5344CB8AC3E}">
@@ -8975,4 +9434,265 @@
     </a:ext>
   </a:extLst>
 </a:theme>
+</file>
+
+<file path=ppt/theme/theme2.xml><?xml version="1.0" encoding="utf-8"?>
+<a:theme xmlns:a="http://schemas.openxmlformats.org/drawingml/2006/main" name="ホワイト">
+  <a:themeElements>
+    <a:clrScheme name="Office">
+      <a:dk1>
+        <a:sysClr val="windowText" lastClr="000000"/>
+      </a:dk1>
+      <a:lt1>
+        <a:sysClr val="window" lastClr="FFFFFF"/>
+      </a:lt1>
+      <a:dk2>
+        <a:srgbClr val="44546A"/>
+      </a:dk2>
+      <a:lt2>
+        <a:srgbClr val="E7E6E6"/>
+      </a:lt2>
+      <a:accent1>
+        <a:srgbClr val="4472C4"/>
+      </a:accent1>
+      <a:accent2>
+        <a:srgbClr val="ED7D31"/>
+      </a:accent2>
+      <a:accent3>
+        <a:srgbClr val="A5A5A5"/>
+      </a:accent3>
+      <a:accent4>
+        <a:srgbClr val="FFC000"/>
+      </a:accent4>
+      <a:accent5>
+        <a:srgbClr val="5B9BD5"/>
+      </a:accent5>
+      <a:accent6>
+        <a:srgbClr val="70AD47"/>
+      </a:accent6>
+      <a:hlink>
+        <a:srgbClr val="0563C1"/>
+      </a:hlink>
+      <a:folHlink>
+        <a:srgbClr val="954F72"/>
+      </a:folHlink>
+    </a:clrScheme>
+    <a:fontScheme name="Office">
+      <a:majorFont>
+        <a:latin typeface="Yu Gothic Light" panose="020F0302020204030204"/>
+        <a:ea typeface=""/>
+        <a:cs typeface=""/>
+        <a:font script="Jpan" typeface="Yu Gothic Light"/>
+        <a:font script="Hang" typeface="맑은 고딕"/>
+        <a:font script="Hans" typeface="DengXian Light"/>
+        <a:font script="Hant" typeface="新細明體"/>
+        <a:font script="Arab" typeface="Times New Roman"/>
+        <a:font script="Hebr" typeface="Times New Roman"/>
+        <a:font script="Thai" typeface="Angsana New"/>
+        <a:font script="Ethi" typeface="Nyala"/>
+        <a:font script="Beng" typeface="Vrinda"/>
+        <a:font script="Gujr" typeface="Shruti"/>
+        <a:font script="Khmr" typeface="MoolBoran"/>
+        <a:font script="Knda" typeface="Tunga"/>
+        <a:font script="Guru" typeface="Raavi"/>
+        <a:font script="Cans" typeface="Euphemia"/>
+        <a:font script="Cher" typeface="Plantagenet Cherokee"/>
+        <a:font script="Yiii" typeface="Microsoft Yi Baiti"/>
+        <a:font script="Tibt" typeface="Microsoft Himalaya"/>
+        <a:font script="Thaa" typeface="MV Boli"/>
+        <a:font script="Deva" typeface="Mangal"/>
+        <a:font script="Telu" typeface="Gautami"/>
+        <a:font script="Taml" typeface="Latha"/>
+        <a:font script="Syrc" typeface="Estrangelo Edessa"/>
+        <a:font script="Orya" typeface="Kalinga"/>
+        <a:font script="Mlym" typeface="Kartika"/>
+        <a:font script="Laoo" typeface="DokChampa"/>
+        <a:font script="Sinh" typeface="Iskoola Pota"/>
+        <a:font script="Mong" typeface="Mongolian Baiti"/>
+        <a:font script="Viet" typeface="Times New Roman"/>
+        <a:font script="Uigh" typeface="Microsoft Uighur"/>
+        <a:font script="Geor" typeface="Sylfaen"/>
+      </a:majorFont>
+      <a:minorFont>
+        <a:latin typeface="Yu Gothic" panose="020F0502020204030204"/>
+        <a:ea typeface=""/>
+        <a:cs typeface=""/>
+        <a:font script="Jpan" typeface="Yu Gothic"/>
+        <a:font script="Hang" typeface="맑은 고딕"/>
+        <a:font script="Hans" typeface="DengXian"/>
+        <a:font script="Hant" typeface="新細明體"/>
+        <a:font script="Arab" typeface="Arial"/>
+        <a:font script="Hebr" typeface="Arial"/>
+        <a:font script="Thai" typeface="Cordia New"/>
+        <a:font script="Ethi" typeface="Nyala"/>
+        <a:font script="Beng" typeface="Vrinda"/>
+        <a:font script="Gujr" typeface="Shruti"/>
+        <a:font script="Khmr" typeface="DaunPenh"/>
+        <a:font script="Knda" typeface="Tunga"/>
+        <a:font script="Guru" typeface="Raavi"/>
+        <a:font script="Cans" typeface="Euphemia"/>
+        <a:font script="Cher" typeface="Plantagenet Cherokee"/>
+        <a:font script="Yiii" typeface="Microsoft Yi Baiti"/>
+        <a:font script="Tibt" typeface="Microsoft Himalaya"/>
+        <a:font script="Thaa" typeface="MV Boli"/>
+        <a:font script="Deva" typeface="Mangal"/>
+        <a:font script="Telu" typeface="Gautami"/>
+        <a:font script="Taml" typeface="Latha"/>
+        <a:font script="Syrc" typeface="Estrangelo Edessa"/>
+        <a:font script="Orya" typeface="Kalinga"/>
+        <a:font script="Mlym" typeface="Kartika"/>
+        <a:font script="Laoo" typeface="DokChampa"/>
+        <a:font script="Sinh" typeface="Iskoola Pota"/>
+        <a:font script="Mong" typeface="Mongolian Baiti"/>
+        <a:font script="Viet" typeface="Arial"/>
+        <a:font script="Uigh" typeface="Microsoft Uighur"/>
+        <a:font script="Geor" typeface="Sylfaen"/>
+      </a:minorFont>
+    </a:fontScheme>
+    <a:fmtScheme name="Office">
+      <a:fillStyleLst>
+        <a:solidFill>
+          <a:schemeClr val="phClr"/>
+        </a:solidFill>
+        <a:gradFill rotWithShape="1">
+          <a:gsLst>
+            <a:gs pos="0">
+              <a:schemeClr val="phClr">
+                <a:lumMod val="110000"/>
+                <a:satMod val="105000"/>
+                <a:tint val="67000"/>
+              </a:schemeClr>
+            </a:gs>
+            <a:gs pos="50000">
+              <a:schemeClr val="phClr">
+                <a:lumMod val="105000"/>
+                <a:satMod val="103000"/>
+                <a:tint val="73000"/>
+              </a:schemeClr>
+            </a:gs>
+            <a:gs pos="100000">
+              <a:schemeClr val="phClr">
+                <a:lumMod val="105000"/>
+                <a:satMod val="109000"/>
+                <a:tint val="81000"/>
+              </a:schemeClr>
+            </a:gs>
+          </a:gsLst>
+          <a:lin ang="5400000" scaled="0"/>
+        </a:gradFill>
+        <a:gradFill rotWithShape="1">
+          <a:gsLst>
+            <a:gs pos="0">
+              <a:schemeClr val="phClr">
+                <a:satMod val="103000"/>
+                <a:lumMod val="102000"/>
+                <a:tint val="94000"/>
+              </a:schemeClr>
+            </a:gs>
+            <a:gs pos="50000">
+              <a:schemeClr val="phClr">
+                <a:satMod val="110000"/>
+                <a:lumMod val="100000"/>
+                <a:shade val="100000"/>
+              </a:schemeClr>
+            </a:gs>
+            <a:gs pos="100000">
+              <a:schemeClr val="phClr">
+                <a:lumMod val="99000"/>
+                <a:satMod val="120000"/>
+                <a:shade val="78000"/>
+              </a:schemeClr>
+            </a:gs>
+          </a:gsLst>
+          <a:lin ang="5400000" scaled="0"/>
+        </a:gradFill>
+      </a:fillStyleLst>
+      <a:lnStyleLst>
+        <a:ln w="6350" cap="flat" cmpd="sng" algn="ctr">
+          <a:solidFill>
+            <a:schemeClr val="phClr"/>
+          </a:solidFill>
+          <a:prstDash val="solid"/>
+          <a:miter lim="800000"/>
+        </a:ln>
+        <a:ln w="12700" cap="flat" cmpd="sng" algn="ctr">
+          <a:solidFill>
+            <a:schemeClr val="phClr"/>
+          </a:solidFill>
+          <a:prstDash val="solid"/>
+          <a:miter lim="800000"/>
+        </a:ln>
+        <a:ln w="19050" cap="flat" cmpd="sng" algn="ctr">
+          <a:solidFill>
+            <a:schemeClr val="phClr"/>
+          </a:solidFill>
+          <a:prstDash val="solid"/>
+          <a:miter lim="800000"/>
+        </a:ln>
+      </a:lnStyleLst>
+      <a:effectStyleLst>
+        <a:effectStyle>
+          <a:effectLst/>
+        </a:effectStyle>
+        <a:effectStyle>
+          <a:effectLst/>
+        </a:effectStyle>
+        <a:effectStyle>
+          <a:effectLst>
+            <a:outerShdw blurRad="57150" dist="19050" dir="5400000" algn="ctr" rotWithShape="0">
+              <a:srgbClr val="000000">
+                <a:alpha val="63000"/>
+              </a:srgbClr>
+            </a:outerShdw>
+          </a:effectLst>
+        </a:effectStyle>
+      </a:effectStyleLst>
+      <a:bgFillStyleLst>
+        <a:solidFill>
+          <a:schemeClr val="phClr"/>
+        </a:solidFill>
+        <a:solidFill>
+          <a:schemeClr val="phClr">
+            <a:tint val="95000"/>
+            <a:satMod val="170000"/>
+          </a:schemeClr>
+        </a:solidFill>
+        <a:gradFill rotWithShape="1">
+          <a:gsLst>
+            <a:gs pos="0">
+              <a:schemeClr val="phClr">
+                <a:tint val="93000"/>
+                <a:satMod val="150000"/>
+                <a:shade val="98000"/>
+                <a:lumMod val="102000"/>
+              </a:schemeClr>
+            </a:gs>
+            <a:gs pos="50000">
+              <a:schemeClr val="phClr">
+                <a:tint val="98000"/>
+                <a:satMod val="130000"/>
+                <a:shade val="90000"/>
+                <a:lumMod val="103000"/>
+              </a:schemeClr>
+            </a:gs>
+            <a:gs pos="100000">
+              <a:schemeClr val="phClr">
+                <a:shade val="63000"/>
+                <a:satMod val="120000"/>
+              </a:schemeClr>
+            </a:gs>
+          </a:gsLst>
+          <a:lin ang="5400000" scaled="0"/>
+        </a:gradFill>
+      </a:bgFillStyleLst>
+    </a:fmtScheme>
+  </a:themeElements>
+  <a:objectDefaults/>
+  <a:extraClrSchemeLst/>
+  <a:extLst>
+    <a:ext uri="{05A4C25C-085E-4340-85A3-A5531E510DB2}">
+      <thm15:themeFamily xmlns:thm15="http://schemas.microsoft.com/office/thememl/2012/main" name="Office Theme" id="{62F939B6-93AF-4DB8-9C6B-D6C7DFDC589F}" vid="{4A3C46E8-61CC-4603-A589-7422A47A8E4A}"/>
+    </a:ext>
+  </a:extLst>
+</a:theme>
 </file>
--- a/doc/JSindo/install.pptx
+++ b/doc/JSindo/install.pptx
@@ -5,7 +5,7 @@
     <p:sldMasterId id="2147483660" r:id="rId1"/>
   </p:sldMasterIdLst>
   <p:notesMasterIdLst>
-    <p:notesMasterId r:id="rId19"/>
+    <p:notesMasterId r:id="rId20"/>
   </p:notesMasterIdLst>
   <p:sldIdLst>
     <p:sldId id="256" r:id="rId2"/>
@@ -20,11 +20,12 @@
     <p:sldId id="265" r:id="rId11"/>
     <p:sldId id="268" r:id="rId12"/>
     <p:sldId id="264" r:id="rId13"/>
-    <p:sldId id="280" r:id="rId14"/>
-    <p:sldId id="278" r:id="rId15"/>
-    <p:sldId id="279" r:id="rId16"/>
-    <p:sldId id="277" r:id="rId17"/>
-    <p:sldId id="281" r:id="rId18"/>
+    <p:sldId id="283" r:id="rId14"/>
+    <p:sldId id="280" r:id="rId15"/>
+    <p:sldId id="278" r:id="rId16"/>
+    <p:sldId id="279" r:id="rId17"/>
+    <p:sldId id="277" r:id="rId18"/>
+    <p:sldId id="281" r:id="rId19"/>
   </p:sldIdLst>
   <p:sldSz cx="9144000" cy="6858000" type="screen4x3"/>
   <p:notesSz cx="6858000" cy="9144000"/>
@@ -224,7 +225,7 @@
           <a:p>
             <a:fld id="{BB0F0136-69B4-D44B-9FED-4928016A3512}" type="datetimeFigureOut">
               <a:rPr kumimoji="1" lang="ja-JP" altLang="en-US" smtClean="0"/>
-              <a:t>2018/4/14</a:t>
+              <a:t>2018/4/19</a:t>
             </a:fld>
             <a:endParaRPr kumimoji="1" lang="ja-JP" altLang="en-US"/>
           </a:p>
@@ -823,7 +824,7 @@
           <a:p>
             <a:fld id="{8F1A2EAE-8A19-6140-AB90-FBA793328AFC}" type="datetime1">
               <a:rPr kumimoji="1" lang="ja-JP" altLang="en-US" smtClean="0"/>
-              <a:t>2018/4/14</a:t>
+              <a:t>2018/4/19</a:t>
             </a:fld>
             <a:endParaRPr kumimoji="1" lang="ja-JP" altLang="en-US"/>
           </a:p>
@@ -1020,7 +1021,7 @@
           <a:p>
             <a:fld id="{5032F6CD-D8C5-EA47-935C-33C61990A9AF}" type="datetime1">
               <a:rPr kumimoji="1" lang="ja-JP" altLang="en-US" smtClean="0"/>
-              <a:t>2018/4/14</a:t>
+              <a:t>2018/4/19</a:t>
             </a:fld>
             <a:endParaRPr kumimoji="1" lang="ja-JP" altLang="en-US"/>
           </a:p>
@@ -1227,7 +1228,7 @@
           <a:p>
             <a:fld id="{7432CAB7-B1D1-C842-BB27-1789136EF085}" type="datetime1">
               <a:rPr kumimoji="1" lang="ja-JP" altLang="en-US" smtClean="0"/>
-              <a:t>2018/4/14</a:t>
+              <a:t>2018/4/19</a:t>
             </a:fld>
             <a:endParaRPr kumimoji="1" lang="ja-JP" altLang="en-US"/>
           </a:p>
@@ -1424,7 +1425,7 @@
           <a:p>
             <a:fld id="{59F606A1-BF80-4F40-AD73-3A1303D72015}" type="datetime1">
               <a:rPr kumimoji="1" lang="ja-JP" altLang="en-US" smtClean="0"/>
-              <a:t>2018/4/14</a:t>
+              <a:t>2018/4/19</a:t>
             </a:fld>
             <a:endParaRPr kumimoji="1" lang="ja-JP" altLang="en-US"/>
           </a:p>
@@ -1663,7 +1664,7 @@
           <a:p>
             <a:fld id="{201370A8-86D7-DE4D-BAB6-D17D5C3BEC5A}" type="datetime1">
               <a:rPr kumimoji="1" lang="ja-JP" altLang="en-US" smtClean="0"/>
-              <a:t>2018/4/14</a:t>
+              <a:t>2018/4/19</a:t>
             </a:fld>
             <a:endParaRPr kumimoji="1" lang="ja-JP" altLang="en-US"/>
           </a:p>
@@ -1954,7 +1955,7 @@
           <a:p>
             <a:fld id="{2F8DFF1A-26F6-734D-81A6-596D27E77CDE}" type="datetime1">
               <a:rPr kumimoji="1" lang="ja-JP" altLang="en-US" smtClean="0"/>
-              <a:t>2018/4/14</a:t>
+              <a:t>2018/4/19</a:t>
             </a:fld>
             <a:endParaRPr kumimoji="1" lang="ja-JP" altLang="en-US"/>
           </a:p>
@@ -2380,7 +2381,7 @@
           <a:p>
             <a:fld id="{DA4D6ED2-2E77-3346-9932-196F8E0DDE9D}" type="datetime1">
               <a:rPr kumimoji="1" lang="ja-JP" altLang="en-US" smtClean="0"/>
-              <a:t>2018/4/14</a:t>
+              <a:t>2018/4/19</a:t>
             </a:fld>
             <a:endParaRPr kumimoji="1" lang="ja-JP" altLang="en-US"/>
           </a:p>
@@ -2493,7 +2494,7 @@
           <a:p>
             <a:fld id="{E0D62E53-0DE6-954C-A642-97CC889F03F2}" type="datetime1">
               <a:rPr kumimoji="1" lang="ja-JP" altLang="en-US" smtClean="0"/>
-              <a:t>2018/4/14</a:t>
+              <a:t>2018/4/19</a:t>
             </a:fld>
             <a:endParaRPr kumimoji="1" lang="ja-JP" altLang="en-US"/>
           </a:p>
@@ -2583,7 +2584,7 @@
           <a:p>
             <a:fld id="{4C76B436-8A19-1A40-8CF4-6DE75F461D19}" type="datetime1">
               <a:rPr kumimoji="1" lang="ja-JP" altLang="en-US" smtClean="0"/>
-              <a:t>2018/4/14</a:t>
+              <a:t>2018/4/19</a:t>
             </a:fld>
             <a:endParaRPr kumimoji="1" lang="ja-JP" altLang="en-US"/>
           </a:p>
@@ -2887,7 +2888,7 @@
           <a:p>
             <a:fld id="{50F977A8-A6EB-6544-A402-5123A38A5E0F}" type="datetime1">
               <a:rPr kumimoji="1" lang="ja-JP" altLang="en-US" smtClean="0"/>
-              <a:t>2018/4/14</a:t>
+              <a:t>2018/4/19</a:t>
             </a:fld>
             <a:endParaRPr kumimoji="1" lang="ja-JP" altLang="en-US"/>
           </a:p>
@@ -3139,7 +3140,7 @@
           <a:p>
             <a:fld id="{AC63A33F-D5AB-5D4B-9CED-7FFE32473911}" type="datetime1">
               <a:rPr kumimoji="1" lang="ja-JP" altLang="en-US" smtClean="0"/>
-              <a:t>2018/4/14</a:t>
+              <a:t>2018/4/19</a:t>
             </a:fld>
             <a:endParaRPr kumimoji="1" lang="ja-JP" altLang="en-US"/>
           </a:p>
@@ -3379,7 +3380,7 @@
           <a:p>
             <a:fld id="{533D1301-D078-CF4D-9B69-E985276E2D1F}" type="datetime1">
               <a:rPr kumimoji="1" lang="ja-JP" altLang="en-US" smtClean="0"/>
-              <a:t>2018/4/14</a:t>
+              <a:t>2018/4/19</a:t>
             </a:fld>
             <a:endParaRPr kumimoji="1" lang="ja-JP" altLang="en-US"/>
           </a:p>
@@ -3861,8 +3862,8 @@
           <a:p>
             <a:pPr algn="ctr"/>
             <a:r>
-              <a:rPr kumimoji="1" lang="en-US" altLang="ja-JP" dirty="0" smtClean="0"/>
-              <a:t>2018/04/14</a:t>
+              <a:rPr kumimoji="1" lang="en-US" altLang="ja-JP" smtClean="0"/>
+              <a:t>2018/04/19</a:t>
             </a:r>
             <a:endParaRPr kumimoji="1" lang="ja-JP" altLang="en-US" dirty="0"/>
           </a:p>
@@ -5091,15 +5092,7 @@
             </a:r>
             <a:r>
               <a:rPr lang="en-US" altLang="ja-JP" dirty="0" smtClean="0"/>
-              <a:t>, so that the CLASSPATH </a:t>
-            </a:r>
-            <a:r>
-              <a:rPr lang="en-US" altLang="ja-JP" smtClean="0"/>
-              <a:t>is configured upon login</a:t>
-            </a:r>
-            <a:r>
-              <a:rPr lang="en-US" altLang="ja-JP" dirty="0" smtClean="0"/>
-              <a:t>.</a:t>
+              <a:t>, so that the CLASSPATH is configured upon login.</a:t>
             </a:r>
           </a:p>
         </p:txBody>
@@ -5442,25 +5435,6 @@
       </p:grpSpPr>
       <p:sp>
         <p:nvSpPr>
-          <p:cNvPr id="2" name="タイトル 1"/>
-          <p:cNvSpPr>
-            <a:spLocks noGrp="1"/>
-          </p:cNvSpPr>
-          <p:nvPr>
-            <p:ph type="title"/>
-          </p:nvPr>
-        </p:nvSpPr>
-        <p:spPr/>
-        <p:txBody>
-          <a:bodyPr/>
-          <a:lstStyle/>
-          <a:p>
-            <a:endParaRPr kumimoji="1" lang="ja-JP" altLang="en-US"/>
-          </a:p>
-        </p:txBody>
-      </p:sp>
-      <p:sp>
-        <p:nvSpPr>
           <p:cNvPr id="3" name="スライド番号プレースホルダー 2"/>
           <p:cNvSpPr>
             <a:spLocks noGrp="1"/>
@@ -5482,10 +5456,123 @@
           </a:p>
         </p:txBody>
       </p:sp>
+      <p:sp>
+        <p:nvSpPr>
+          <p:cNvPr id="4" name="テキスト ボックス 3"/>
+          <p:cNvSpPr txBox="1"/>
+          <p:nvPr/>
+        </p:nvSpPr>
+        <p:spPr>
+          <a:xfrm>
+            <a:off x="771117" y="807953"/>
+            <a:ext cx="7615237" cy="2308324"/>
+          </a:xfrm>
+          <a:prstGeom prst="rect">
+            <a:avLst/>
+          </a:prstGeom>
+          <a:noFill/>
+        </p:spPr>
+        <p:txBody>
+          <a:bodyPr wrap="square" rtlCol="0">
+            <a:spAutoFit/>
+          </a:bodyPr>
+          <a:lstStyle/>
+          <a:p>
+            <a:pPr marL="342900" indent="-342900">
+              <a:buFont typeface="+mj-lt"/>
+              <a:buAutoNum type="arabicPeriod" startAt="4"/>
+            </a:pPr>
+            <a:r>
+              <a:rPr kumimoji="1" lang="en-US" altLang="ja-JP" dirty="0" smtClean="0">
+                <a:solidFill>
+                  <a:srgbClr val="FF0000"/>
+                </a:solidFill>
+              </a:rPr>
+              <a:t>Fonts and Icons are too tiny.</a:t>
+            </a:r>
+            <a:endParaRPr lang="en-US" altLang="ja-JP" dirty="0" smtClean="0">
+              <a:solidFill>
+                <a:srgbClr val="FF0000"/>
+              </a:solidFill>
+            </a:endParaRPr>
+          </a:p>
+          <a:p>
+            <a:pPr lvl="1"/>
+            <a:r>
+              <a:rPr lang="en-US" altLang="ja-JP" dirty="0" smtClean="0"/>
+              <a:t>Althoug</a:t>
+            </a:r>
+            <a:r>
+              <a:rPr lang="en-US" altLang="ja-JP" dirty="0" smtClean="0"/>
+              <a:t>h </a:t>
+            </a:r>
+            <a:r>
+              <a:rPr lang="en-US" altLang="ja-JP" dirty="0" smtClean="0"/>
+              <a:t>we are aware of this problem that most likely happens in Win </a:t>
+            </a:r>
+            <a:r>
+              <a:rPr lang="en-US" altLang="ja-JP" dirty="0" smtClean="0"/>
+              <a:t>10 (and perhaps Linux) </a:t>
+            </a:r>
+            <a:r>
+              <a:rPr lang="en-US" altLang="ja-JP" dirty="0"/>
+              <a:t>with a high DPI </a:t>
+            </a:r>
+            <a:r>
+              <a:rPr lang="en-US" altLang="ja-JP" dirty="0" err="1" smtClean="0"/>
+              <a:t>diplay</a:t>
+            </a:r>
+            <a:r>
+              <a:rPr lang="en-US" altLang="ja-JP" dirty="0" smtClean="0"/>
+              <a:t>, we don’t know the solution at this moment.</a:t>
+            </a:r>
+            <a:r>
+              <a:rPr lang="en-US" altLang="ja-JP" dirty="0" smtClean="0"/>
+              <a:t> </a:t>
+            </a:r>
+            <a:r>
+              <a:rPr lang="en-US" altLang="ja-JP" dirty="0" smtClean="0"/>
+              <a:t>This</a:t>
+            </a:r>
+            <a:r>
+              <a:rPr lang="en-US" altLang="ja-JP" dirty="0" smtClean="0"/>
+              <a:t> seems to be a general issue of Java/Swing applications, which some people says it is fixed in JRE9. </a:t>
+            </a:r>
+            <a:r>
+              <a:rPr lang="en-US" altLang="ja-JP" dirty="0" smtClean="0"/>
+              <a:t>However</a:t>
+            </a:r>
+            <a:r>
+              <a:rPr lang="en-US" altLang="ja-JP" dirty="0" smtClean="0"/>
+              <a:t>, JRE9 is reported to be incompatible with </a:t>
+            </a:r>
+            <a:r>
+              <a:rPr lang="en-US" altLang="ja-JP" dirty="0" err="1" smtClean="0"/>
+              <a:t>JogAmp</a:t>
+            </a:r>
+            <a:r>
+              <a:rPr lang="en-US" altLang="ja-JP" dirty="0" smtClean="0"/>
+              <a:t>/Java3D. </a:t>
+            </a:r>
+          </a:p>
+          <a:p>
+            <a:pPr lvl="1"/>
+            <a:endParaRPr lang="en-US" altLang="ja-JP" dirty="0"/>
+          </a:p>
+          <a:p>
+            <a:pPr lvl="1"/>
+            <a:r>
+              <a:rPr lang="en-US" altLang="ja-JP" dirty="0" smtClean="0"/>
+              <a:t>Your feedback on this issue is greatly appreciated!</a:t>
+            </a:r>
+            <a:endParaRPr lang="en-US" altLang="ja-JP" dirty="0" smtClean="0"/>
+          </a:p>
+        </p:txBody>
+      </p:sp>
     </p:spTree>
     <p:extLst>
       <p:ext uri="{BB962C8B-B14F-4D97-AF65-F5344CB8AC3E}">
-        <p14:creationId xmlns:p14="http://schemas.microsoft.com/office/powerpoint/2010/main" val="1161525424"/>
+        <p14:creationId xmlns:p14="http://schemas.microsoft.com/office/powerpoint/2010/main" val="1233805520"/>
       </p:ext>
     </p:extLst>
   </p:cSld>
@@ -5514,6 +5601,78 @@
       </p:grpSpPr>
       <p:sp>
         <p:nvSpPr>
+          <p:cNvPr id="2" name="タイトル 1"/>
+          <p:cNvSpPr>
+            <a:spLocks noGrp="1"/>
+          </p:cNvSpPr>
+          <p:nvPr>
+            <p:ph type="title"/>
+          </p:nvPr>
+        </p:nvSpPr>
+        <p:spPr/>
+        <p:txBody>
+          <a:bodyPr/>
+          <a:lstStyle/>
+          <a:p>
+            <a:endParaRPr kumimoji="1" lang="ja-JP" altLang="en-US"/>
+          </a:p>
+        </p:txBody>
+      </p:sp>
+      <p:sp>
+        <p:nvSpPr>
+          <p:cNvPr id="3" name="スライド番号プレースホルダー 2"/>
+          <p:cNvSpPr>
+            <a:spLocks noGrp="1"/>
+          </p:cNvSpPr>
+          <p:nvPr>
+            <p:ph type="sldNum" sz="quarter" idx="12"/>
+          </p:nvPr>
+        </p:nvSpPr>
+        <p:spPr/>
+        <p:txBody>
+          <a:bodyPr/>
+          <a:lstStyle/>
+          <a:p>
+            <a:fld id="{7D34BB6B-1E1A-9541-9560-488905BF54FF}" type="slidenum">
+              <a:rPr kumimoji="1" lang="ja-JP" altLang="en-US" smtClean="0"/>
+              <a:t>13</a:t>
+            </a:fld>
+            <a:endParaRPr kumimoji="1" lang="ja-JP" altLang="en-US"/>
+          </a:p>
+        </p:txBody>
+      </p:sp>
+    </p:spTree>
+    <p:extLst>
+      <p:ext uri="{BB962C8B-B14F-4D97-AF65-F5344CB8AC3E}">
+        <p14:creationId xmlns:p14="http://schemas.microsoft.com/office/powerpoint/2010/main" val="1161525424"/>
+      </p:ext>
+    </p:extLst>
+  </p:cSld>
+  <p:clrMapOvr>
+    <a:masterClrMapping/>
+  </p:clrMapOvr>
+</p:sld>
+</file>
+
+<file path=ppt/slides/slide15.xml><?xml version="1.0" encoding="utf-8"?>
+<p:sld xmlns:a="http://schemas.openxmlformats.org/drawingml/2006/main" xmlns:r="http://schemas.openxmlformats.org/officeDocument/2006/relationships" xmlns:p="http://schemas.openxmlformats.org/presentationml/2006/main">
+  <p:cSld>
+    <p:spTree>
+      <p:nvGrpSpPr>
+        <p:cNvPr id="1" name=""/>
+        <p:cNvGrpSpPr/>
+        <p:nvPr/>
+      </p:nvGrpSpPr>
+      <p:grpSpPr>
+        <a:xfrm>
+          <a:off x="0" y="0"/>
+          <a:ext cx="0" cy="0"/>
+          <a:chOff x="0" y="0"/>
+          <a:chExt cx="0" cy="0"/>
+        </a:xfrm>
+      </p:grpSpPr>
+      <p:sp>
+        <p:nvSpPr>
           <p:cNvPr id="9" name="スライド番号プレースホルダー 8"/>
           <p:cNvSpPr>
             <a:spLocks noGrp="1"/>
@@ -5529,7 +5688,7 @@
           <a:p>
             <a:fld id="{7D34BB6B-1E1A-9541-9560-488905BF54FF}" type="slidenum">
               <a:rPr kumimoji="1" lang="ja-JP" altLang="en-US" smtClean="0"/>
-              <a:t>13</a:t>
+              <a:t>14</a:t>
             </a:fld>
             <a:endParaRPr kumimoji="1" lang="ja-JP" altLang="en-US"/>
           </a:p>
@@ -5780,7 +5939,7 @@
 </p:sld>
 </file>
 
-<file path=ppt/slides/slide15.xml><?xml version="1.0" encoding="utf-8"?>
+<file path=ppt/slides/slide16.xml><?xml version="1.0" encoding="utf-8"?>
 <p:sld xmlns:a="http://schemas.openxmlformats.org/drawingml/2006/main" xmlns:r="http://schemas.openxmlformats.org/officeDocument/2006/relationships" xmlns:p="http://schemas.openxmlformats.org/presentationml/2006/main">
   <p:cSld>
     <p:spTree>
@@ -6239,7 +6398,7 @@
           <a:p>
             <a:fld id="{7D34BB6B-1E1A-9541-9560-488905BF54FF}" type="slidenum">
               <a:rPr kumimoji="1" lang="ja-JP" altLang="en-US" smtClean="0"/>
-              <a:t>14</a:t>
+              <a:t>15</a:t>
             </a:fld>
             <a:endParaRPr kumimoji="1" lang="ja-JP" altLang="en-US"/>
           </a:p>
@@ -6258,7 +6417,7 @@
 </p:sld>
 </file>
 
-<file path=ppt/slides/slide16.xml><?xml version="1.0" encoding="utf-8"?>
+<file path=ppt/slides/slide17.xml><?xml version="1.0" encoding="utf-8"?>
 <p:sld xmlns:a="http://schemas.openxmlformats.org/drawingml/2006/main" xmlns:r="http://schemas.openxmlformats.org/officeDocument/2006/relationships" xmlns:p="http://schemas.openxmlformats.org/presentationml/2006/main">
   <p:cSld>
     <p:spTree>
@@ -6292,7 +6451,7 @@
           <a:p>
             <a:fld id="{7D34BB6B-1E1A-9541-9560-488905BF54FF}" type="slidenum">
               <a:rPr kumimoji="1" lang="ja-JP" altLang="en-US" smtClean="0"/>
-              <a:t>15</a:t>
+              <a:t>16</a:t>
             </a:fld>
             <a:endParaRPr kumimoji="1" lang="ja-JP" altLang="en-US"/>
           </a:p>
@@ -8904,7 +9063,7 @@
 </p:sld>
 </file>
 
-<file path=ppt/slides/slide17.xml><?xml version="1.0" encoding="utf-8"?>
+<file path=ppt/slides/slide18.xml><?xml version="1.0" encoding="utf-8"?>
 <p:sld xmlns:a="http://schemas.openxmlformats.org/drawingml/2006/main" xmlns:r="http://schemas.openxmlformats.org/officeDocument/2006/relationships" xmlns:p="http://schemas.openxmlformats.org/presentationml/2006/main">
   <p:cSld>
     <p:spTree>
@@ -8938,7 +9097,7 @@
           <a:p>
             <a:fld id="{7D34BB6B-1E1A-9541-9560-488905BF54FF}" type="slidenum">
               <a:rPr kumimoji="1" lang="ja-JP" altLang="en-US" smtClean="0"/>
-              <a:t>16</a:t>
+              <a:t>17</a:t>
             </a:fld>
             <a:endParaRPr kumimoji="1" lang="ja-JP" altLang="en-US"/>
           </a:p>
